--- a/Mission Proposal.pptx
+++ b/Mission Proposal.pptx
@@ -12,6 +12,9 @@
     <p:sldId id="260" r:id="rId6"/>
     <p:sldId id="261" r:id="rId7"/>
     <p:sldId id="262" r:id="rId8"/>
+    <p:sldId id="263" r:id="rId9"/>
+    <p:sldId id="264" r:id="rId10"/>
+    <p:sldId id="265" r:id="rId11"/>
   </p:sldIdLst>
   <p:sldSz cx="12192000" cy="6858000"/>
   <p:notesSz cx="6858000" cy="9144000"/>
@@ -110,6 +113,11 @@
       </a:defRPr>
     </a:lvl9pPr>
   </p:defaultTextStyle>
+  <p:extLst>
+    <p:ext uri="{EFAFB233-063F-42B5-8137-9DF3F51BA10A}">
+      <p15:sldGuideLst xmlns:p15="http://schemas.microsoft.com/office/powerpoint/2012/main"/>
+    </p:ext>
+  </p:extLst>
 </p:presentation>
 </file>
 
@@ -260,7 +268,7 @@
           <a:p>
             <a:fld id="{F8B67FB3-79AE-4C1A-92CB-BBAABDECD8A5}" type="datetimeFigureOut">
               <a:rPr lang="tr-TR" smtClean="0"/>
-              <a:t>5.04.2022</a:t>
+              <a:t>10.04.2022</a:t>
             </a:fld>
             <a:endParaRPr lang="tr-TR"/>
           </a:p>
@@ -458,7 +466,7 @@
           <a:p>
             <a:fld id="{F8B67FB3-79AE-4C1A-92CB-BBAABDECD8A5}" type="datetimeFigureOut">
               <a:rPr lang="tr-TR" smtClean="0"/>
-              <a:t>5.04.2022</a:t>
+              <a:t>10.04.2022</a:t>
             </a:fld>
             <a:endParaRPr lang="tr-TR"/>
           </a:p>
@@ -666,7 +674,7 @@
           <a:p>
             <a:fld id="{F8B67FB3-79AE-4C1A-92CB-BBAABDECD8A5}" type="datetimeFigureOut">
               <a:rPr lang="tr-TR" smtClean="0"/>
-              <a:t>5.04.2022</a:t>
+              <a:t>10.04.2022</a:t>
             </a:fld>
             <a:endParaRPr lang="tr-TR"/>
           </a:p>
@@ -864,7 +872,7 @@
           <a:p>
             <a:fld id="{F8B67FB3-79AE-4C1A-92CB-BBAABDECD8A5}" type="datetimeFigureOut">
               <a:rPr lang="tr-TR" smtClean="0"/>
-              <a:t>5.04.2022</a:t>
+              <a:t>10.04.2022</a:t>
             </a:fld>
             <a:endParaRPr lang="tr-TR"/>
           </a:p>
@@ -1139,7 +1147,7 @@
           <a:p>
             <a:fld id="{F8B67FB3-79AE-4C1A-92CB-BBAABDECD8A5}" type="datetimeFigureOut">
               <a:rPr lang="tr-TR" smtClean="0"/>
-              <a:t>5.04.2022</a:t>
+              <a:t>10.04.2022</a:t>
             </a:fld>
             <a:endParaRPr lang="tr-TR"/>
           </a:p>
@@ -1404,7 +1412,7 @@
           <a:p>
             <a:fld id="{F8B67FB3-79AE-4C1A-92CB-BBAABDECD8A5}" type="datetimeFigureOut">
               <a:rPr lang="tr-TR" smtClean="0"/>
-              <a:t>5.04.2022</a:t>
+              <a:t>10.04.2022</a:t>
             </a:fld>
             <a:endParaRPr lang="tr-TR"/>
           </a:p>
@@ -1816,7 +1824,7 @@
           <a:p>
             <a:fld id="{F8B67FB3-79AE-4C1A-92CB-BBAABDECD8A5}" type="datetimeFigureOut">
               <a:rPr lang="tr-TR" smtClean="0"/>
-              <a:t>5.04.2022</a:t>
+              <a:t>10.04.2022</a:t>
             </a:fld>
             <a:endParaRPr lang="tr-TR"/>
           </a:p>
@@ -1957,7 +1965,7 @@
           <a:p>
             <a:fld id="{F8B67FB3-79AE-4C1A-92CB-BBAABDECD8A5}" type="datetimeFigureOut">
               <a:rPr lang="tr-TR" smtClean="0"/>
-              <a:t>5.04.2022</a:t>
+              <a:t>10.04.2022</a:t>
             </a:fld>
             <a:endParaRPr lang="tr-TR"/>
           </a:p>
@@ -2070,7 +2078,7 @@
           <a:p>
             <a:fld id="{F8B67FB3-79AE-4C1A-92CB-BBAABDECD8A5}" type="datetimeFigureOut">
               <a:rPr lang="tr-TR" smtClean="0"/>
-              <a:t>5.04.2022</a:t>
+              <a:t>10.04.2022</a:t>
             </a:fld>
             <a:endParaRPr lang="tr-TR"/>
           </a:p>
@@ -2381,7 +2389,7 @@
           <a:p>
             <a:fld id="{F8B67FB3-79AE-4C1A-92CB-BBAABDECD8A5}" type="datetimeFigureOut">
               <a:rPr lang="tr-TR" smtClean="0"/>
-              <a:t>5.04.2022</a:t>
+              <a:t>10.04.2022</a:t>
             </a:fld>
             <a:endParaRPr lang="tr-TR"/>
           </a:p>
@@ -2669,7 +2677,7 @@
           <a:p>
             <a:fld id="{F8B67FB3-79AE-4C1A-92CB-BBAABDECD8A5}" type="datetimeFigureOut">
               <a:rPr lang="tr-TR" smtClean="0"/>
-              <a:t>5.04.2022</a:t>
+              <a:t>10.04.2022</a:t>
             </a:fld>
             <a:endParaRPr lang="tr-TR"/>
           </a:p>
@@ -2910,7 +2918,7 @@
           <a:p>
             <a:fld id="{F8B67FB3-79AE-4C1A-92CB-BBAABDECD8A5}" type="datetimeFigureOut">
               <a:rPr lang="tr-TR" smtClean="0"/>
-              <a:t>5.04.2022</a:t>
+              <a:t>10.04.2022</a:t>
             </a:fld>
             <a:endParaRPr lang="tr-TR"/>
           </a:p>
@@ -3446,6 +3454,630 @@
   <p:clrMapOvr>
     <a:masterClrMapping/>
   </p:clrMapOvr>
+</p:sld>
+</file>
+
+<file path=ppt/slides/slide10.xml><?xml version="1.0" encoding="utf-8"?>
+<p:sld xmlns:a="http://schemas.openxmlformats.org/drawingml/2006/main" xmlns:r="http://schemas.openxmlformats.org/officeDocument/2006/relationships" xmlns:p="http://schemas.openxmlformats.org/presentationml/2006/main">
+  <p:cSld>
+    <p:spTree>
+      <p:nvGrpSpPr>
+        <p:cNvPr id="1" name=""/>
+        <p:cNvGrpSpPr/>
+        <p:nvPr/>
+      </p:nvGrpSpPr>
+      <p:grpSpPr>
+        <a:xfrm>
+          <a:off x="0" y="0"/>
+          <a:ext cx="0" cy="0"/>
+          <a:chOff x="0" y="0"/>
+          <a:chExt cx="0" cy="0"/>
+        </a:xfrm>
+      </p:grpSpPr>
+      <p:pic>
+        <p:nvPicPr>
+          <p:cNvPr id="37" name="Resim 36">
+            <a:extLst>
+              <a:ext uri="{FF2B5EF4-FFF2-40B4-BE49-F238E27FC236}">
+                <a16:creationId xmlns:a16="http://schemas.microsoft.com/office/drawing/2014/main" id="{6EC10954-03E5-4621-A0AE-C480415DC515}"/>
+              </a:ext>
+            </a:extLst>
+          </p:cNvPr>
+          <p:cNvPicPr>
+            <a:picLocks noChangeAspect="1"/>
+          </p:cNvPicPr>
+          <p:nvPr/>
+        </p:nvPicPr>
+        <p:blipFill>
+          <a:blip r:embed="rId2">
+            <a:extLst>
+              <a:ext uri="{28A0092B-C50C-407E-A947-70E740481C1C}">
+                <a14:useLocalDpi xmlns:a14="http://schemas.microsoft.com/office/drawing/2010/main" val="0"/>
+              </a:ext>
+            </a:extLst>
+          </a:blip>
+          <a:stretch>
+            <a:fillRect/>
+          </a:stretch>
+        </p:blipFill>
+        <p:spPr>
+          <a:xfrm>
+            <a:off x="0" y="0"/>
+            <a:ext cx="12192000" cy="6858000"/>
+          </a:xfrm>
+          <a:prstGeom prst="rect">
+            <a:avLst/>
+          </a:prstGeom>
+        </p:spPr>
+      </p:pic>
+      <p:pic>
+        <p:nvPicPr>
+          <p:cNvPr id="4" name="Resim 3">
+            <a:extLst>
+              <a:ext uri="{FF2B5EF4-FFF2-40B4-BE49-F238E27FC236}">
+                <a16:creationId xmlns:a16="http://schemas.microsoft.com/office/drawing/2014/main" id="{F7EA9E49-2965-4FC0-82FB-84A02794122B}"/>
+              </a:ext>
+            </a:extLst>
+          </p:cNvPr>
+          <p:cNvPicPr>
+            <a:picLocks noChangeAspect="1"/>
+          </p:cNvPicPr>
+          <p:nvPr/>
+        </p:nvPicPr>
+        <p:blipFill>
+          <a:blip r:embed="rId3">
+            <a:extLst>
+              <a:ext uri="{BEBA8EAE-BF5A-486C-A8C5-ECC9F3942E4B}">
+                <a14:imgProps xmlns:a14="http://schemas.microsoft.com/office/drawing/2010/main">
+                  <a14:imgLayer r:embed="rId4">
+                    <a14:imgEffect>
+                      <a14:artisticGlowEdges/>
+                    </a14:imgEffect>
+                  </a14:imgLayer>
+                </a14:imgProps>
+              </a:ext>
+              <a:ext uri="{28A0092B-C50C-407E-A947-70E740481C1C}">
+                <a14:useLocalDpi xmlns:a14="http://schemas.microsoft.com/office/drawing/2010/main" val="0"/>
+              </a:ext>
+            </a:extLst>
+          </a:blip>
+          <a:stretch>
+            <a:fillRect/>
+          </a:stretch>
+        </p:blipFill>
+        <p:spPr>
+          <a:xfrm>
+            <a:off x="783003" y="733304"/>
+            <a:ext cx="1815513" cy="1192865"/>
+          </a:xfrm>
+          <a:prstGeom prst="rect">
+            <a:avLst/>
+          </a:prstGeom>
+        </p:spPr>
+      </p:pic>
+      <p:cxnSp>
+        <p:nvCxnSpPr>
+          <p:cNvPr id="6" name="Düz Bağlayıcı 5">
+            <a:extLst>
+              <a:ext uri="{FF2B5EF4-FFF2-40B4-BE49-F238E27FC236}">
+                <a16:creationId xmlns:a16="http://schemas.microsoft.com/office/drawing/2014/main" id="{D05E3363-D107-438B-98CA-CBE133F13225}"/>
+              </a:ext>
+            </a:extLst>
+          </p:cNvPr>
+          <p:cNvCxnSpPr>
+            <a:cxnSpLocks/>
+          </p:cNvCxnSpPr>
+          <p:nvPr/>
+        </p:nvCxnSpPr>
+        <p:spPr>
+          <a:xfrm flipH="1" flipV="1">
+            <a:off x="2407534" y="1643605"/>
+            <a:ext cx="752355" cy="787079"/>
+          </a:xfrm>
+          <a:prstGeom prst="line">
+            <a:avLst/>
+          </a:prstGeom>
+          <a:ln w="76200">
+            <a:solidFill>
+              <a:srgbClr val="FF0000"/>
+            </a:solidFill>
+          </a:ln>
+        </p:spPr>
+        <p:style>
+          <a:lnRef idx="1">
+            <a:schemeClr val="accent1"/>
+          </a:lnRef>
+          <a:fillRef idx="0">
+            <a:schemeClr val="accent1"/>
+          </a:fillRef>
+          <a:effectRef idx="0">
+            <a:schemeClr val="accent1"/>
+          </a:effectRef>
+          <a:fontRef idx="minor">
+            <a:schemeClr val="tx1"/>
+          </a:fontRef>
+        </p:style>
+      </p:cxnSp>
+      <p:pic>
+        <p:nvPicPr>
+          <p:cNvPr id="3" name="Resim 2">
+            <a:extLst>
+              <a:ext uri="{FF2B5EF4-FFF2-40B4-BE49-F238E27FC236}">
+                <a16:creationId xmlns:a16="http://schemas.microsoft.com/office/drawing/2014/main" id="{7E022FD2-4830-43F0-A827-2B72457D1808}"/>
+              </a:ext>
+            </a:extLst>
+          </p:cNvPr>
+          <p:cNvPicPr>
+            <a:picLocks noChangeAspect="1"/>
+          </p:cNvPicPr>
+          <p:nvPr/>
+        </p:nvPicPr>
+        <p:blipFill>
+          <a:blip r:embed="rId5">
+            <a:extLst>
+              <a:ext uri="{28A0092B-C50C-407E-A947-70E740481C1C}">
+                <a14:useLocalDpi xmlns:a14="http://schemas.microsoft.com/office/drawing/2010/main" val="0"/>
+              </a:ext>
+            </a:extLst>
+          </a:blip>
+          <a:stretch>
+            <a:fillRect/>
+          </a:stretch>
+        </p:blipFill>
+        <p:spPr>
+          <a:xfrm>
+            <a:off x="4774559" y="4723488"/>
+            <a:ext cx="3017180" cy="1926168"/>
+          </a:xfrm>
+          <a:prstGeom prst="rect">
+            <a:avLst/>
+          </a:prstGeom>
+        </p:spPr>
+      </p:pic>
+      <p:sp>
+        <p:nvSpPr>
+          <p:cNvPr id="14" name="Oval 13">
+            <a:extLst>
+              <a:ext uri="{FF2B5EF4-FFF2-40B4-BE49-F238E27FC236}">
+                <a16:creationId xmlns:a16="http://schemas.microsoft.com/office/drawing/2014/main" id="{F5828E96-7532-4264-AA4E-C00591716F34}"/>
+              </a:ext>
+            </a:extLst>
+          </p:cNvPr>
+          <p:cNvSpPr/>
+          <p:nvPr/>
+        </p:nvSpPr>
+        <p:spPr>
+          <a:xfrm>
+            <a:off x="5772898" y="5635486"/>
+            <a:ext cx="458938" cy="242067"/>
+          </a:xfrm>
+          <a:prstGeom prst="ellipse">
+            <a:avLst/>
+          </a:prstGeom>
+          <a:solidFill>
+            <a:srgbClr val="FF0000"/>
+          </a:solidFill>
+          <a:ln>
+            <a:solidFill>
+              <a:srgbClr val="FF0000"/>
+            </a:solidFill>
+          </a:ln>
+        </p:spPr>
+        <p:style>
+          <a:lnRef idx="2">
+            <a:schemeClr val="accent1">
+              <a:shade val="50000"/>
+            </a:schemeClr>
+          </a:lnRef>
+          <a:fillRef idx="1">
+            <a:schemeClr val="accent1"/>
+          </a:fillRef>
+          <a:effectRef idx="0">
+            <a:schemeClr val="accent1"/>
+          </a:effectRef>
+          <a:fontRef idx="minor">
+            <a:schemeClr val="lt1"/>
+          </a:fontRef>
+        </p:style>
+        <p:txBody>
+          <a:bodyPr rtlCol="0" anchor="ctr"/>
+          <a:lstStyle/>
+          <a:p>
+            <a:pPr algn="ctr"/>
+            <a:endParaRPr lang="tr-TR"/>
+          </a:p>
+        </p:txBody>
+      </p:sp>
+      <p:pic>
+        <p:nvPicPr>
+          <p:cNvPr id="31" name="Resim 30">
+            <a:extLst>
+              <a:ext uri="{FF2B5EF4-FFF2-40B4-BE49-F238E27FC236}">
+                <a16:creationId xmlns:a16="http://schemas.microsoft.com/office/drawing/2014/main" id="{886A68E5-F310-4BB3-850B-0178A75FEC1E}"/>
+              </a:ext>
+            </a:extLst>
+          </p:cNvPr>
+          <p:cNvPicPr>
+            <a:picLocks noChangeAspect="1"/>
+          </p:cNvPicPr>
+          <p:nvPr/>
+        </p:nvPicPr>
+        <p:blipFill>
+          <a:blip r:embed="rId3">
+            <a:extLst>
+              <a:ext uri="{BEBA8EAE-BF5A-486C-A8C5-ECC9F3942E4B}">
+                <a14:imgProps xmlns:a14="http://schemas.microsoft.com/office/drawing/2010/main">
+                  <a14:imgLayer r:embed="rId4">
+                    <a14:imgEffect>
+                      <a14:artisticGlowEdges/>
+                    </a14:imgEffect>
+                  </a14:imgLayer>
+                </a14:imgProps>
+              </a:ext>
+              <a:ext uri="{28A0092B-C50C-407E-A947-70E740481C1C}">
+                <a14:useLocalDpi xmlns:a14="http://schemas.microsoft.com/office/drawing/2010/main" val="0"/>
+              </a:ext>
+            </a:extLst>
+          </a:blip>
+          <a:stretch>
+            <a:fillRect/>
+          </a:stretch>
+        </p:blipFill>
+        <p:spPr>
+          <a:xfrm rot="775600">
+            <a:off x="12097257" y="6837610"/>
+            <a:ext cx="1815513" cy="1192865"/>
+          </a:xfrm>
+          <a:prstGeom prst="rect">
+            <a:avLst/>
+          </a:prstGeom>
+        </p:spPr>
+      </p:pic>
+      <p:pic>
+        <p:nvPicPr>
+          <p:cNvPr id="35" name="Resim 34">
+            <a:extLst>
+              <a:ext uri="{FF2B5EF4-FFF2-40B4-BE49-F238E27FC236}">
+                <a16:creationId xmlns:a16="http://schemas.microsoft.com/office/drawing/2014/main" id="{091DDF38-BD4C-4724-9E4D-07D23DD99D65}"/>
+              </a:ext>
+            </a:extLst>
+          </p:cNvPr>
+          <p:cNvPicPr>
+            <a:picLocks noChangeAspect="1"/>
+          </p:cNvPicPr>
+          <p:nvPr/>
+        </p:nvPicPr>
+        <p:blipFill>
+          <a:blip r:embed="rId6"/>
+          <a:stretch>
+            <a:fillRect/>
+          </a:stretch>
+        </p:blipFill>
+        <p:spPr>
+          <a:xfrm>
+            <a:off x="-934162" y="4427317"/>
+            <a:ext cx="4094051" cy="2312873"/>
+          </a:xfrm>
+          <a:prstGeom prst="rect">
+            <a:avLst/>
+          </a:prstGeom>
+        </p:spPr>
+      </p:pic>
+    </p:spTree>
+    <p:extLst>
+      <p:ext uri="{BB962C8B-B14F-4D97-AF65-F5344CB8AC3E}">
+        <p14:creationId xmlns:p14="http://schemas.microsoft.com/office/powerpoint/2010/main" val="2194316085"/>
+      </p:ext>
+    </p:extLst>
+  </p:cSld>
+  <p:clrMapOvr>
+    <a:masterClrMapping/>
+  </p:clrMapOvr>
+  <p:timing>
+    <p:tnLst>
+      <p:par>
+        <p:cTn id="1" dur="indefinite" restart="never" nodeType="tmRoot">
+          <p:childTnLst>
+            <p:seq concurrent="1" nextAc="seek">
+              <p:cTn id="2" dur="indefinite" nodeType="mainSeq">
+                <p:childTnLst>
+                  <p:par>
+                    <p:cTn id="3" fill="hold">
+                      <p:stCondLst>
+                        <p:cond delay="indefinite"/>
+                      </p:stCondLst>
+                      <p:childTnLst>
+                        <p:par>
+                          <p:cTn id="4" fill="hold">
+                            <p:stCondLst>
+                              <p:cond delay="0"/>
+                            </p:stCondLst>
+                            <p:childTnLst>
+                              <p:par>
+                                <p:cTn id="5" presetID="0" presetClass="path" presetSubtype="0" accel="50000" decel="50000" fill="hold" nodeType="clickEffect">
+                                  <p:stCondLst>
+                                    <p:cond delay="0"/>
+                                  </p:stCondLst>
+                                  <p:childTnLst>
+                                    <p:animMotion origin="layout" path="M -0.00482 -0.00046 L -0.00482 -0.00023 C -0.02904 -0.08981 -0.00964 -0.00787 -0.0267 -0.12708 C -0.03412 -0.17963 -0.03842 -0.18495 -0.05039 -0.23356 C -0.05404 -0.24861 -0.05769 -0.26366 -0.06081 -0.27917 C -0.06472 -0.29861 -0.07123 -0.33819 -0.07123 -0.33796 C -0.07214 -0.34884 -0.07461 -0.35949 -0.07409 -0.37014 C -0.07045 -0.44583 -0.06836 -0.43472 -0.0599 -0.48495 C -0.04883 -0.54954 -0.06016 -0.4919 -0.05417 -0.51713 C -0.05378 -0.51875 -0.05378 -0.5206 -0.05326 -0.52222 C -0.05209 -0.52523 -0.04506 -0.53495 -0.04467 -0.53565 C -0.02995 -0.55926 -0.05065 -0.52662 -0.03802 -0.54907 C -0.03724 -0.55069 -0.03607 -0.55116 -0.03516 -0.55255 C -0.03282 -0.55625 -0.03073 -0.56042 -0.02852 -0.56435 C -0.02513 -0.57037 -0.02422 -0.57361 -0.01901 -0.57616 C -0.01667 -0.57731 -0.01394 -0.57708 -0.01146 -0.57778 C 0.00481 -0.58241 -0.0069 -0.58125 0.01028 -0.58125 " pathEditMode="relative" rAng="0" ptsTypes="AAAAAAAAAAAAAAAAA">
+                                      <p:cBhvr>
+                                        <p:cTn id="6" dur="2000" fill="hold"/>
+                                        <p:tgtEl>
+                                          <p:spTgt spid="35"/>
+                                        </p:tgtEl>
+                                        <p:attrNameLst>
+                                          <p:attrName>ppt_x</p:attrName>
+                                          <p:attrName>ppt_y</p:attrName>
+                                        </p:attrNameLst>
+                                      </p:cBhvr>
+                                      <p:rCtr x="-2721" y="-29051"/>
+                                    </p:animMotion>
+                                  </p:childTnLst>
+                                </p:cTn>
+                              </p:par>
+                              <p:par>
+                                <p:cTn id="7" presetID="8" presetClass="emph" presetSubtype="0" fill="hold" nodeType="withEffect">
+                                  <p:stCondLst>
+                                    <p:cond delay="0"/>
+                                  </p:stCondLst>
+                                  <p:childTnLst>
+                                    <p:animRot by="1800000">
+                                      <p:cBhvr>
+                                        <p:cTn id="8" dur="2000" fill="hold"/>
+                                        <p:tgtEl>
+                                          <p:spTgt spid="35"/>
+                                        </p:tgtEl>
+                                        <p:attrNameLst>
+                                          <p:attrName>r</p:attrName>
+                                        </p:attrNameLst>
+                                      </p:cBhvr>
+                                    </p:animRot>
+                                  </p:childTnLst>
+                                </p:cTn>
+                              </p:par>
+                              <p:par>
+                                <p:cTn id="9" presetID="6" presetClass="emph" presetSubtype="0" fill="hold" nodeType="withEffect">
+                                  <p:stCondLst>
+                                    <p:cond delay="0"/>
+                                  </p:stCondLst>
+                                  <p:childTnLst>
+                                    <p:animScale>
+                                      <p:cBhvr>
+                                        <p:cTn id="10" dur="2000" fill="hold"/>
+                                        <p:tgtEl>
+                                          <p:spTgt spid="35"/>
+                                        </p:tgtEl>
+                                      </p:cBhvr>
+                                      <p:by x="50000" y="50000"/>
+                                    </p:animScale>
+                                  </p:childTnLst>
+                                  <p:subTnLst>
+                                    <p:set>
+                                      <p:cBhvr override="childStyle">
+                                        <p:cTn dur="1" fill="hold" display="0" masterRel="sameClick" afterEffect="1">
+                                          <p:stCondLst>
+                                            <p:cond evt="end" delay="0">
+                                              <p:tn val="9"/>
+                                            </p:cond>
+                                          </p:stCondLst>
+                                        </p:cTn>
+                                        <p:tgtEl>
+                                          <p:spTgt spid="35"/>
+                                        </p:tgtEl>
+                                        <p:attrNameLst>
+                                          <p:attrName>style.visibility</p:attrName>
+                                        </p:attrNameLst>
+                                      </p:cBhvr>
+                                      <p:to>
+                                        <p:strVal val="hidden"/>
+                                      </p:to>
+                                    </p:set>
+                                  </p:subTnLst>
+                                </p:cTn>
+                              </p:par>
+                            </p:childTnLst>
+                          </p:cTn>
+                        </p:par>
+                        <p:par>
+                          <p:cTn id="11" fill="hold">
+                            <p:stCondLst>
+                              <p:cond delay="2000"/>
+                            </p:stCondLst>
+                            <p:childTnLst>
+                              <p:par>
+                                <p:cTn id="12" presetID="1" presetClass="entr" presetSubtype="0" fill="hold" nodeType="afterEffect">
+                                  <p:stCondLst>
+                                    <p:cond delay="1000"/>
+                                  </p:stCondLst>
+                                  <p:childTnLst>
+                                    <p:set>
+                                      <p:cBhvr>
+                                        <p:cTn id="13" dur="1" fill="hold">
+                                          <p:stCondLst>
+                                            <p:cond delay="0"/>
+                                          </p:stCondLst>
+                                        </p:cTn>
+                                        <p:tgtEl>
+                                          <p:spTgt spid="4"/>
+                                        </p:tgtEl>
+                                        <p:attrNameLst>
+                                          <p:attrName>style.visibility</p:attrName>
+                                        </p:attrNameLst>
+                                      </p:cBhvr>
+                                      <p:to>
+                                        <p:strVal val="visible"/>
+                                      </p:to>
+                                    </p:set>
+                                  </p:childTnLst>
+                                </p:cTn>
+                              </p:par>
+                            </p:childTnLst>
+                          </p:cTn>
+                        </p:par>
+                        <p:par>
+                          <p:cTn id="14" fill="hold">
+                            <p:stCondLst>
+                              <p:cond delay="3000"/>
+                            </p:stCondLst>
+                            <p:childTnLst>
+                              <p:par>
+                                <p:cTn id="15" presetID="1" presetClass="entr" presetSubtype="0" fill="hold" nodeType="afterEffect">
+                                  <p:stCondLst>
+                                    <p:cond delay="0"/>
+                                  </p:stCondLst>
+                                  <p:childTnLst>
+                                    <p:set>
+                                      <p:cBhvr>
+                                        <p:cTn id="16" dur="1" fill="hold">
+                                          <p:stCondLst>
+                                            <p:cond delay="0"/>
+                                          </p:stCondLst>
+                                        </p:cTn>
+                                        <p:tgtEl>
+                                          <p:spTgt spid="6"/>
+                                        </p:tgtEl>
+                                        <p:attrNameLst>
+                                          <p:attrName>style.visibility</p:attrName>
+                                        </p:attrNameLst>
+                                      </p:cBhvr>
+                                      <p:to>
+                                        <p:strVal val="visible"/>
+                                      </p:to>
+                                    </p:set>
+                                  </p:childTnLst>
+                                </p:cTn>
+                              </p:par>
+                              <p:par>
+                                <p:cTn id="17" presetID="1" presetClass="entr" presetSubtype="0" fill="hold" grpId="0" nodeType="withEffect">
+                                  <p:stCondLst>
+                                    <p:cond delay="0"/>
+                                  </p:stCondLst>
+                                  <p:childTnLst>
+                                    <p:set>
+                                      <p:cBhvr>
+                                        <p:cTn id="18" dur="1" fill="hold">
+                                          <p:stCondLst>
+                                            <p:cond delay="0"/>
+                                          </p:stCondLst>
+                                        </p:cTn>
+                                        <p:tgtEl>
+                                          <p:spTgt spid="14"/>
+                                        </p:tgtEl>
+                                        <p:attrNameLst>
+                                          <p:attrName>style.visibility</p:attrName>
+                                        </p:attrNameLst>
+                                      </p:cBhvr>
+                                      <p:to>
+                                        <p:strVal val="visible"/>
+                                      </p:to>
+                                    </p:set>
+                                  </p:childTnLst>
+                                </p:cTn>
+                              </p:par>
+                            </p:childTnLst>
+                          </p:cTn>
+                        </p:par>
+                        <p:par>
+                          <p:cTn id="19" fill="hold">
+                            <p:stCondLst>
+                              <p:cond delay="3000"/>
+                            </p:stCondLst>
+                            <p:childTnLst>
+                              <p:par>
+                                <p:cTn id="20" presetID="63" presetClass="path" presetSubtype="0" accel="33333" fill="hold" nodeType="afterEffect">
+                                  <p:stCondLst>
+                                    <p:cond delay="0"/>
+                                  </p:stCondLst>
+                                  <p:childTnLst>
+                                    <p:animMotion origin="layout" path="M 0.00417 -0.00023 L 0.71771 -0.02755 " pathEditMode="relative" rAng="0" ptsTypes="AA">
+                                      <p:cBhvr>
+                                        <p:cTn id="21" dur="3000" fill="hold"/>
+                                        <p:tgtEl>
+                                          <p:spTgt spid="4"/>
+                                        </p:tgtEl>
+                                        <p:attrNameLst>
+                                          <p:attrName>ppt_x</p:attrName>
+                                          <p:attrName>ppt_y</p:attrName>
+                                        </p:attrNameLst>
+                                      </p:cBhvr>
+                                      <p:rCtr x="35677" y="-1366"/>
+                                    </p:animMotion>
+                                  </p:childTnLst>
+                                </p:cTn>
+                              </p:par>
+                              <p:par>
+                                <p:cTn id="22" presetID="63" presetClass="path" presetSubtype="0" accel="46154" decel="53846" fill="hold" nodeType="withEffect">
+                                  <p:stCondLst>
+                                    <p:cond delay="0"/>
+                                  </p:stCondLst>
+                                  <p:childTnLst>
+                                    <p:animMotion origin="layout" path="M -0.00521 -0.0213 L 0.62708 -0.0213 " pathEditMode="relative" rAng="0" ptsTypes="AA">
+                                      <p:cBhvr>
+                                        <p:cTn id="23" dur="4000" fill="hold"/>
+                                        <p:tgtEl>
+                                          <p:spTgt spid="6"/>
+                                        </p:tgtEl>
+                                        <p:attrNameLst>
+                                          <p:attrName>ppt_x</p:attrName>
+                                          <p:attrName>ppt_y</p:attrName>
+                                        </p:attrNameLst>
+                                      </p:cBhvr>
+                                      <p:rCtr x="31615" y="0"/>
+                                    </p:animMotion>
+                                  </p:childTnLst>
+                                </p:cTn>
+                              </p:par>
+                              <p:par>
+                                <p:cTn id="24" presetID="8" presetClass="emph" presetSubtype="0" fill="hold" nodeType="withEffect">
+                                  <p:stCondLst>
+                                    <p:cond delay="250"/>
+                                  </p:stCondLst>
+                                  <p:childTnLst>
+                                    <p:animRot by="5400000">
+                                      <p:cBhvr>
+                                        <p:cTn id="25" dur="2500" fill="hold"/>
+                                        <p:tgtEl>
+                                          <p:spTgt spid="6"/>
+                                        </p:tgtEl>
+                                        <p:attrNameLst>
+                                          <p:attrName>r</p:attrName>
+                                        </p:attrNameLst>
+                                      </p:cBhvr>
+                                    </p:animRot>
+                                  </p:childTnLst>
+                                </p:cTn>
+                              </p:par>
+                            </p:childTnLst>
+                          </p:cTn>
+                        </p:par>
+                      </p:childTnLst>
+                    </p:cTn>
+                  </p:par>
+                </p:childTnLst>
+              </p:cTn>
+              <p:prevCondLst>
+                <p:cond evt="onPrev" delay="0">
+                  <p:tgtEl>
+                    <p:sldTgt/>
+                  </p:tgtEl>
+                </p:cond>
+              </p:prevCondLst>
+              <p:nextCondLst>
+                <p:cond evt="onNext" delay="0">
+                  <p:tgtEl>
+                    <p:sldTgt/>
+                  </p:tgtEl>
+                </p:cond>
+              </p:nextCondLst>
+            </p:seq>
+          </p:childTnLst>
+        </p:cTn>
+      </p:par>
+    </p:tnLst>
+    <p:bldLst>
+      <p:bldP spid="14" grpId="0" animBg="1"/>
+    </p:bldLst>
+  </p:timing>
 </p:sld>
 </file>
 
@@ -5617,6 +6249,1976 @@
 </p:sld>
 </file>
 
+<file path=ppt/slides/slide8.xml><?xml version="1.0" encoding="utf-8"?>
+<p:sld xmlns:a="http://schemas.openxmlformats.org/drawingml/2006/main" xmlns:r="http://schemas.openxmlformats.org/officeDocument/2006/relationships" xmlns:p="http://schemas.openxmlformats.org/presentationml/2006/main">
+  <p:cSld>
+    <p:spTree>
+      <p:nvGrpSpPr>
+        <p:cNvPr id="1" name=""/>
+        <p:cNvGrpSpPr/>
+        <p:nvPr/>
+      </p:nvGrpSpPr>
+      <p:grpSpPr>
+        <a:xfrm>
+          <a:off x="0" y="0"/>
+          <a:ext cx="0" cy="0"/>
+          <a:chOff x="0" y="0"/>
+          <a:chExt cx="0" cy="0"/>
+        </a:xfrm>
+      </p:grpSpPr>
+      <p:pic>
+        <p:nvPicPr>
+          <p:cNvPr id="15" name="Resim 14">
+            <a:extLst>
+              <a:ext uri="{FF2B5EF4-FFF2-40B4-BE49-F238E27FC236}">
+                <a16:creationId xmlns:a16="http://schemas.microsoft.com/office/drawing/2014/main" id="{E5330E1F-1EAF-4471-9D4E-8A9CED9672ED}"/>
+              </a:ext>
+            </a:extLst>
+          </p:cNvPr>
+          <p:cNvPicPr>
+            <a:picLocks noChangeAspect="1"/>
+          </p:cNvPicPr>
+          <p:nvPr/>
+        </p:nvPicPr>
+        <p:blipFill>
+          <a:blip r:embed="rId2">
+            <a:extLst>
+              <a:ext uri="{28A0092B-C50C-407E-A947-70E740481C1C}">
+                <a14:useLocalDpi xmlns:a14="http://schemas.microsoft.com/office/drawing/2010/main" val="0"/>
+              </a:ext>
+            </a:extLst>
+          </a:blip>
+          <a:stretch>
+            <a:fillRect/>
+          </a:stretch>
+        </p:blipFill>
+        <p:spPr>
+          <a:xfrm>
+            <a:off x="937626" y="5870981"/>
+            <a:ext cx="1048135" cy="688667"/>
+          </a:xfrm>
+          <a:prstGeom prst="rect">
+            <a:avLst/>
+          </a:prstGeom>
+        </p:spPr>
+      </p:pic>
+      <p:pic>
+        <p:nvPicPr>
+          <p:cNvPr id="17" name="Resim 16">
+            <a:extLst>
+              <a:ext uri="{FF2B5EF4-FFF2-40B4-BE49-F238E27FC236}">
+                <a16:creationId xmlns:a16="http://schemas.microsoft.com/office/drawing/2014/main" id="{BA0DDFDE-06F2-48C2-AF0D-9C5C822FA59D}"/>
+              </a:ext>
+            </a:extLst>
+          </p:cNvPr>
+          <p:cNvPicPr>
+            <a:picLocks noChangeAspect="1"/>
+          </p:cNvPicPr>
+          <p:nvPr/>
+        </p:nvPicPr>
+        <p:blipFill>
+          <a:blip r:embed="rId3">
+            <a:extLst>
+              <a:ext uri="{28A0092B-C50C-407E-A947-70E740481C1C}">
+                <a14:useLocalDpi xmlns:a14="http://schemas.microsoft.com/office/drawing/2010/main" val="0"/>
+              </a:ext>
+            </a:extLst>
+          </a:blip>
+          <a:stretch>
+            <a:fillRect/>
+          </a:stretch>
+        </p:blipFill>
+        <p:spPr>
+          <a:xfrm rot="2199110">
+            <a:off x="-653032" y="2068595"/>
+            <a:ext cx="2638793" cy="1733792"/>
+          </a:xfrm>
+          <a:prstGeom prst="rect">
+            <a:avLst/>
+          </a:prstGeom>
+        </p:spPr>
+      </p:pic>
+      <p:pic>
+        <p:nvPicPr>
+          <p:cNvPr id="19" name="Resim 18">
+            <a:extLst>
+              <a:ext uri="{FF2B5EF4-FFF2-40B4-BE49-F238E27FC236}">
+                <a16:creationId xmlns:a16="http://schemas.microsoft.com/office/drawing/2014/main" id="{5EB71F7B-7066-4A2C-985B-C060912BBB94}"/>
+              </a:ext>
+            </a:extLst>
+          </p:cNvPr>
+          <p:cNvPicPr>
+            <a:picLocks noChangeAspect="1"/>
+          </p:cNvPicPr>
+          <p:nvPr/>
+        </p:nvPicPr>
+        <p:blipFill>
+          <a:blip r:embed="rId4">
+            <a:extLst>
+              <a:ext uri="{28A0092B-C50C-407E-A947-70E740481C1C}">
+                <a14:useLocalDpi xmlns:a14="http://schemas.microsoft.com/office/drawing/2010/main" val="0"/>
+              </a:ext>
+            </a:extLst>
+          </a:blip>
+          <a:stretch>
+            <a:fillRect/>
+          </a:stretch>
+        </p:blipFill>
+        <p:spPr>
+          <a:xfrm>
+            <a:off x="748279" y="733304"/>
+            <a:ext cx="1815513" cy="1192865"/>
+          </a:xfrm>
+          <a:prstGeom prst="rect">
+            <a:avLst/>
+          </a:prstGeom>
+        </p:spPr>
+      </p:pic>
+      <p:pic>
+        <p:nvPicPr>
+          <p:cNvPr id="25" name="Resim 24">
+            <a:extLst>
+              <a:ext uri="{FF2B5EF4-FFF2-40B4-BE49-F238E27FC236}">
+                <a16:creationId xmlns:a16="http://schemas.microsoft.com/office/drawing/2014/main" id="{F2BA7187-D006-43A7-8B41-220375DA3AFC}"/>
+              </a:ext>
+            </a:extLst>
+          </p:cNvPr>
+          <p:cNvPicPr>
+            <a:picLocks noChangeAspect="1"/>
+          </p:cNvPicPr>
+          <p:nvPr/>
+        </p:nvPicPr>
+        <p:blipFill>
+          <a:blip r:embed="rId5">
+            <a:extLst>
+              <a:ext uri="{28A0092B-C50C-407E-A947-70E740481C1C}">
+                <a14:useLocalDpi xmlns:a14="http://schemas.microsoft.com/office/drawing/2010/main" val="0"/>
+              </a:ext>
+            </a:extLst>
+          </a:blip>
+          <a:stretch>
+            <a:fillRect/>
+          </a:stretch>
+        </p:blipFill>
+        <p:spPr>
+          <a:xfrm>
+            <a:off x="4939230" y="4956090"/>
+            <a:ext cx="1433100" cy="914891"/>
+          </a:xfrm>
+          <a:prstGeom prst="rect">
+            <a:avLst/>
+          </a:prstGeom>
+        </p:spPr>
+      </p:pic>
+      <p:cxnSp>
+        <p:nvCxnSpPr>
+          <p:cNvPr id="54" name="Düz Bağlayıcı 53">
+            <a:extLst>
+              <a:ext uri="{FF2B5EF4-FFF2-40B4-BE49-F238E27FC236}">
+                <a16:creationId xmlns:a16="http://schemas.microsoft.com/office/drawing/2014/main" id="{F6A3BF66-041F-4DA6-A6EF-E50B92EA6814}"/>
+              </a:ext>
+            </a:extLst>
+          </p:cNvPr>
+          <p:cNvCxnSpPr>
+            <a:cxnSpLocks/>
+          </p:cNvCxnSpPr>
+          <p:nvPr/>
+        </p:nvCxnSpPr>
+        <p:spPr>
+          <a:xfrm>
+            <a:off x="2893671" y="1452384"/>
+            <a:ext cx="2513216" cy="3815355"/>
+          </a:xfrm>
+          <a:prstGeom prst="line">
+            <a:avLst/>
+          </a:prstGeom>
+          <a:ln w="57150">
+            <a:solidFill>
+              <a:srgbClr val="FF0000"/>
+            </a:solidFill>
+          </a:ln>
+        </p:spPr>
+        <p:style>
+          <a:lnRef idx="1">
+            <a:schemeClr val="accent1"/>
+          </a:lnRef>
+          <a:fillRef idx="0">
+            <a:schemeClr val="accent1"/>
+          </a:fillRef>
+          <a:effectRef idx="0">
+            <a:schemeClr val="accent1"/>
+          </a:effectRef>
+          <a:fontRef idx="minor">
+            <a:schemeClr val="tx1"/>
+          </a:fontRef>
+        </p:style>
+      </p:cxnSp>
+      <p:cxnSp>
+        <p:nvCxnSpPr>
+          <p:cNvPr id="57" name="Düz Bağlayıcı 56">
+            <a:extLst>
+              <a:ext uri="{FF2B5EF4-FFF2-40B4-BE49-F238E27FC236}">
+                <a16:creationId xmlns:a16="http://schemas.microsoft.com/office/drawing/2014/main" id="{A4337543-B17F-4030-B8FE-F9EEBF7C27B0}"/>
+              </a:ext>
+            </a:extLst>
+          </p:cNvPr>
+          <p:cNvCxnSpPr>
+            <a:cxnSpLocks/>
+          </p:cNvCxnSpPr>
+          <p:nvPr/>
+        </p:nvCxnSpPr>
+        <p:spPr>
+          <a:xfrm>
+            <a:off x="3449256" y="1452384"/>
+            <a:ext cx="2110031" cy="3967755"/>
+          </a:xfrm>
+          <a:prstGeom prst="line">
+            <a:avLst/>
+          </a:prstGeom>
+          <a:ln w="57150">
+            <a:solidFill>
+              <a:srgbClr val="FF0000"/>
+            </a:solidFill>
+          </a:ln>
+        </p:spPr>
+        <p:style>
+          <a:lnRef idx="1">
+            <a:schemeClr val="accent1"/>
+          </a:lnRef>
+          <a:fillRef idx="0">
+            <a:schemeClr val="accent1"/>
+          </a:fillRef>
+          <a:effectRef idx="0">
+            <a:schemeClr val="accent1"/>
+          </a:effectRef>
+          <a:fontRef idx="minor">
+            <a:schemeClr val="tx1"/>
+          </a:fontRef>
+        </p:style>
+      </p:cxnSp>
+      <p:cxnSp>
+        <p:nvCxnSpPr>
+          <p:cNvPr id="63" name="Düz Bağlayıcı 62">
+            <a:extLst>
+              <a:ext uri="{FF2B5EF4-FFF2-40B4-BE49-F238E27FC236}">
+                <a16:creationId xmlns:a16="http://schemas.microsoft.com/office/drawing/2014/main" id="{03DFDBE2-4623-4496-96AF-05C04F032415}"/>
+              </a:ext>
+            </a:extLst>
+          </p:cNvPr>
+          <p:cNvCxnSpPr>
+            <a:cxnSpLocks/>
+          </p:cNvCxnSpPr>
+          <p:nvPr/>
+        </p:nvCxnSpPr>
+        <p:spPr>
+          <a:xfrm>
+            <a:off x="4027990" y="1452384"/>
+            <a:ext cx="1531297" cy="3967755"/>
+          </a:xfrm>
+          <a:prstGeom prst="line">
+            <a:avLst/>
+          </a:prstGeom>
+          <a:ln w="57150">
+            <a:solidFill>
+              <a:srgbClr val="FF0000"/>
+            </a:solidFill>
+          </a:ln>
+        </p:spPr>
+        <p:style>
+          <a:lnRef idx="1">
+            <a:schemeClr val="accent1"/>
+          </a:lnRef>
+          <a:fillRef idx="0">
+            <a:schemeClr val="accent1"/>
+          </a:fillRef>
+          <a:effectRef idx="0">
+            <a:schemeClr val="accent1"/>
+          </a:effectRef>
+          <a:fontRef idx="minor">
+            <a:schemeClr val="tx1"/>
+          </a:fontRef>
+        </p:style>
+      </p:cxnSp>
+      <p:cxnSp>
+        <p:nvCxnSpPr>
+          <p:cNvPr id="65" name="Düz Bağlayıcı 64">
+            <a:extLst>
+              <a:ext uri="{FF2B5EF4-FFF2-40B4-BE49-F238E27FC236}">
+                <a16:creationId xmlns:a16="http://schemas.microsoft.com/office/drawing/2014/main" id="{0DC7A619-661F-414D-993D-B56C8C449FC0}"/>
+              </a:ext>
+            </a:extLst>
+          </p:cNvPr>
+          <p:cNvCxnSpPr>
+            <a:cxnSpLocks/>
+          </p:cNvCxnSpPr>
+          <p:nvPr/>
+        </p:nvCxnSpPr>
+        <p:spPr>
+          <a:xfrm>
+            <a:off x="4653023" y="1452384"/>
+            <a:ext cx="906264" cy="3967755"/>
+          </a:xfrm>
+          <a:prstGeom prst="line">
+            <a:avLst/>
+          </a:prstGeom>
+          <a:ln w="57150">
+            <a:solidFill>
+              <a:srgbClr val="FF0000"/>
+            </a:solidFill>
+          </a:ln>
+        </p:spPr>
+        <p:style>
+          <a:lnRef idx="1">
+            <a:schemeClr val="accent1"/>
+          </a:lnRef>
+          <a:fillRef idx="0">
+            <a:schemeClr val="accent1"/>
+          </a:fillRef>
+          <a:effectRef idx="0">
+            <a:schemeClr val="accent1"/>
+          </a:effectRef>
+          <a:fontRef idx="minor">
+            <a:schemeClr val="tx1"/>
+          </a:fontRef>
+        </p:style>
+      </p:cxnSp>
+      <p:cxnSp>
+        <p:nvCxnSpPr>
+          <p:cNvPr id="67" name="Düz Bağlayıcı 66">
+            <a:extLst>
+              <a:ext uri="{FF2B5EF4-FFF2-40B4-BE49-F238E27FC236}">
+                <a16:creationId xmlns:a16="http://schemas.microsoft.com/office/drawing/2014/main" id="{1904CA4D-A0B5-4B62-86F9-B8369E4E313B}"/>
+              </a:ext>
+            </a:extLst>
+          </p:cNvPr>
+          <p:cNvCxnSpPr>
+            <a:cxnSpLocks/>
+          </p:cNvCxnSpPr>
+          <p:nvPr/>
+        </p:nvCxnSpPr>
+        <p:spPr>
+          <a:xfrm>
+            <a:off x="5312780" y="1452384"/>
+            <a:ext cx="246507" cy="3967755"/>
+          </a:xfrm>
+          <a:prstGeom prst="line">
+            <a:avLst/>
+          </a:prstGeom>
+          <a:ln w="57150">
+            <a:solidFill>
+              <a:srgbClr val="FF0000"/>
+            </a:solidFill>
+          </a:ln>
+        </p:spPr>
+        <p:style>
+          <a:lnRef idx="1">
+            <a:schemeClr val="accent1"/>
+          </a:lnRef>
+          <a:fillRef idx="0">
+            <a:schemeClr val="accent1"/>
+          </a:fillRef>
+          <a:effectRef idx="0">
+            <a:schemeClr val="accent1"/>
+          </a:effectRef>
+          <a:fontRef idx="minor">
+            <a:schemeClr val="tx1"/>
+          </a:fontRef>
+        </p:style>
+      </p:cxnSp>
+      <p:cxnSp>
+        <p:nvCxnSpPr>
+          <p:cNvPr id="69" name="Düz Bağlayıcı 68">
+            <a:extLst>
+              <a:ext uri="{FF2B5EF4-FFF2-40B4-BE49-F238E27FC236}">
+                <a16:creationId xmlns:a16="http://schemas.microsoft.com/office/drawing/2014/main" id="{13B9197C-4097-41CE-A440-EA9E8B3D5286}"/>
+              </a:ext>
+            </a:extLst>
+          </p:cNvPr>
+          <p:cNvCxnSpPr>
+            <a:cxnSpLocks/>
+          </p:cNvCxnSpPr>
+          <p:nvPr/>
+        </p:nvCxnSpPr>
+        <p:spPr>
+          <a:xfrm flipH="1">
+            <a:off x="5559287" y="1452384"/>
+            <a:ext cx="424824" cy="3967755"/>
+          </a:xfrm>
+          <a:prstGeom prst="line">
+            <a:avLst/>
+          </a:prstGeom>
+          <a:ln w="57150">
+            <a:solidFill>
+              <a:srgbClr val="FF0000"/>
+            </a:solidFill>
+          </a:ln>
+        </p:spPr>
+        <p:style>
+          <a:lnRef idx="1">
+            <a:schemeClr val="accent1"/>
+          </a:lnRef>
+          <a:fillRef idx="0">
+            <a:schemeClr val="accent1"/>
+          </a:fillRef>
+          <a:effectRef idx="0">
+            <a:schemeClr val="accent1"/>
+          </a:effectRef>
+          <a:fontRef idx="minor">
+            <a:schemeClr val="tx1"/>
+          </a:fontRef>
+        </p:style>
+      </p:cxnSp>
+      <p:cxnSp>
+        <p:nvCxnSpPr>
+          <p:cNvPr id="71" name="Düz Bağlayıcı 70">
+            <a:extLst>
+              <a:ext uri="{FF2B5EF4-FFF2-40B4-BE49-F238E27FC236}">
+                <a16:creationId xmlns:a16="http://schemas.microsoft.com/office/drawing/2014/main" id="{29BFE318-5D86-4576-B59F-EB6A718FAD8B}"/>
+              </a:ext>
+            </a:extLst>
+          </p:cNvPr>
+          <p:cNvCxnSpPr>
+            <a:cxnSpLocks/>
+          </p:cNvCxnSpPr>
+          <p:nvPr/>
+        </p:nvCxnSpPr>
+        <p:spPr>
+          <a:xfrm flipH="1">
+            <a:off x="5559287" y="1452384"/>
+            <a:ext cx="1073428" cy="3967755"/>
+          </a:xfrm>
+          <a:prstGeom prst="line">
+            <a:avLst/>
+          </a:prstGeom>
+          <a:ln w="57150">
+            <a:solidFill>
+              <a:srgbClr val="FF0000"/>
+            </a:solidFill>
+          </a:ln>
+        </p:spPr>
+        <p:style>
+          <a:lnRef idx="1">
+            <a:schemeClr val="accent1"/>
+          </a:lnRef>
+          <a:fillRef idx="0">
+            <a:schemeClr val="accent1"/>
+          </a:fillRef>
+          <a:effectRef idx="0">
+            <a:schemeClr val="accent1"/>
+          </a:effectRef>
+          <a:fontRef idx="minor">
+            <a:schemeClr val="tx1"/>
+          </a:fontRef>
+        </p:style>
+      </p:cxnSp>
+      <p:cxnSp>
+        <p:nvCxnSpPr>
+          <p:cNvPr id="73" name="Düz Bağlayıcı 72">
+            <a:extLst>
+              <a:ext uri="{FF2B5EF4-FFF2-40B4-BE49-F238E27FC236}">
+                <a16:creationId xmlns:a16="http://schemas.microsoft.com/office/drawing/2014/main" id="{5176F33F-E451-42CA-AB98-EC26A2B7FCB5}"/>
+              </a:ext>
+            </a:extLst>
+          </p:cNvPr>
+          <p:cNvCxnSpPr>
+            <a:cxnSpLocks/>
+          </p:cNvCxnSpPr>
+          <p:nvPr/>
+        </p:nvCxnSpPr>
+        <p:spPr>
+          <a:xfrm flipH="1">
+            <a:off x="5559287" y="1452384"/>
+            <a:ext cx="1883235" cy="3967755"/>
+          </a:xfrm>
+          <a:prstGeom prst="line">
+            <a:avLst/>
+          </a:prstGeom>
+          <a:ln w="57150">
+            <a:solidFill>
+              <a:srgbClr val="FF0000"/>
+            </a:solidFill>
+          </a:ln>
+        </p:spPr>
+        <p:style>
+          <a:lnRef idx="1">
+            <a:schemeClr val="accent1"/>
+          </a:lnRef>
+          <a:fillRef idx="0">
+            <a:schemeClr val="accent1"/>
+          </a:fillRef>
+          <a:effectRef idx="0">
+            <a:schemeClr val="accent1"/>
+          </a:effectRef>
+          <a:fontRef idx="minor">
+            <a:schemeClr val="tx1"/>
+          </a:fontRef>
+        </p:style>
+      </p:cxnSp>
+      <p:cxnSp>
+        <p:nvCxnSpPr>
+          <p:cNvPr id="75" name="Düz Bağlayıcı 74">
+            <a:extLst>
+              <a:ext uri="{FF2B5EF4-FFF2-40B4-BE49-F238E27FC236}">
+                <a16:creationId xmlns:a16="http://schemas.microsoft.com/office/drawing/2014/main" id="{7B1C9C9F-93A7-4D75-A467-0CB973C789A1}"/>
+              </a:ext>
+            </a:extLst>
+          </p:cNvPr>
+          <p:cNvCxnSpPr>
+            <a:cxnSpLocks/>
+          </p:cNvCxnSpPr>
+          <p:nvPr/>
+        </p:nvCxnSpPr>
+        <p:spPr>
+          <a:xfrm flipH="1">
+            <a:off x="5559287" y="1452384"/>
+            <a:ext cx="3005979" cy="3967755"/>
+          </a:xfrm>
+          <a:prstGeom prst="line">
+            <a:avLst/>
+          </a:prstGeom>
+          <a:ln w="57150">
+            <a:solidFill>
+              <a:srgbClr val="FF0000"/>
+            </a:solidFill>
+          </a:ln>
+        </p:spPr>
+        <p:style>
+          <a:lnRef idx="1">
+            <a:schemeClr val="accent1"/>
+          </a:lnRef>
+          <a:fillRef idx="0">
+            <a:schemeClr val="accent1"/>
+          </a:fillRef>
+          <a:effectRef idx="0">
+            <a:schemeClr val="accent1"/>
+          </a:effectRef>
+          <a:fontRef idx="minor">
+            <a:schemeClr val="tx1"/>
+          </a:fontRef>
+        </p:style>
+      </p:cxnSp>
+      <p:cxnSp>
+        <p:nvCxnSpPr>
+          <p:cNvPr id="77" name="Düz Bağlayıcı 76">
+            <a:extLst>
+              <a:ext uri="{FF2B5EF4-FFF2-40B4-BE49-F238E27FC236}">
+                <a16:creationId xmlns:a16="http://schemas.microsoft.com/office/drawing/2014/main" id="{AD4C257E-EA06-49D3-92C6-3EA279412481}"/>
+              </a:ext>
+            </a:extLst>
+          </p:cNvPr>
+          <p:cNvCxnSpPr>
+            <a:cxnSpLocks/>
+          </p:cNvCxnSpPr>
+          <p:nvPr/>
+        </p:nvCxnSpPr>
+        <p:spPr>
+          <a:xfrm flipH="1">
+            <a:off x="5559287" y="1452384"/>
+            <a:ext cx="3827781" cy="3967755"/>
+          </a:xfrm>
+          <a:prstGeom prst="line">
+            <a:avLst/>
+          </a:prstGeom>
+          <a:ln w="57150">
+            <a:solidFill>
+              <a:srgbClr val="FF0000"/>
+            </a:solidFill>
+          </a:ln>
+        </p:spPr>
+        <p:style>
+          <a:lnRef idx="1">
+            <a:schemeClr val="accent1"/>
+          </a:lnRef>
+          <a:fillRef idx="0">
+            <a:schemeClr val="accent1"/>
+          </a:fillRef>
+          <a:effectRef idx="0">
+            <a:schemeClr val="accent1"/>
+          </a:effectRef>
+          <a:fontRef idx="minor">
+            <a:schemeClr val="tx1"/>
+          </a:fontRef>
+        </p:style>
+      </p:cxnSp>
+      <p:cxnSp>
+        <p:nvCxnSpPr>
+          <p:cNvPr id="79" name="Düz Bağlayıcı 78">
+            <a:extLst>
+              <a:ext uri="{FF2B5EF4-FFF2-40B4-BE49-F238E27FC236}">
+                <a16:creationId xmlns:a16="http://schemas.microsoft.com/office/drawing/2014/main" id="{F6754BE2-5A85-428D-B6ED-D5647EF79B19}"/>
+              </a:ext>
+            </a:extLst>
+          </p:cNvPr>
+          <p:cNvCxnSpPr>
+            <a:cxnSpLocks/>
+          </p:cNvCxnSpPr>
+          <p:nvPr/>
+        </p:nvCxnSpPr>
+        <p:spPr>
+          <a:xfrm flipH="1">
+            <a:off x="5559287" y="1437861"/>
+            <a:ext cx="4800055" cy="3982278"/>
+          </a:xfrm>
+          <a:prstGeom prst="line">
+            <a:avLst/>
+          </a:prstGeom>
+          <a:ln w="57150">
+            <a:solidFill>
+              <a:srgbClr val="FF0000"/>
+            </a:solidFill>
+          </a:ln>
+        </p:spPr>
+        <p:style>
+          <a:lnRef idx="1">
+            <a:schemeClr val="accent1"/>
+          </a:lnRef>
+          <a:fillRef idx="0">
+            <a:schemeClr val="accent1"/>
+          </a:fillRef>
+          <a:effectRef idx="0">
+            <a:schemeClr val="accent1"/>
+          </a:effectRef>
+          <a:fontRef idx="minor">
+            <a:schemeClr val="tx1"/>
+          </a:fontRef>
+        </p:style>
+      </p:cxnSp>
+    </p:spTree>
+    <p:extLst>
+      <p:ext uri="{BB962C8B-B14F-4D97-AF65-F5344CB8AC3E}">
+        <p14:creationId xmlns:p14="http://schemas.microsoft.com/office/powerpoint/2010/main" val="2993657624"/>
+      </p:ext>
+    </p:extLst>
+  </p:cSld>
+  <p:clrMapOvr>
+    <a:masterClrMapping/>
+  </p:clrMapOvr>
+  <p:timing>
+    <p:tnLst>
+      <p:par>
+        <p:cTn id="1" dur="indefinite" restart="never" nodeType="tmRoot">
+          <p:childTnLst>
+            <p:seq concurrent="1" nextAc="seek">
+              <p:cTn id="2" dur="indefinite" nodeType="mainSeq">
+                <p:childTnLst>
+                  <p:par>
+                    <p:cTn id="3" fill="hold">
+                      <p:stCondLst>
+                        <p:cond delay="indefinite"/>
+                      </p:stCondLst>
+                      <p:childTnLst>
+                        <p:par>
+                          <p:cTn id="4" fill="hold">
+                            <p:stCondLst>
+                              <p:cond delay="0"/>
+                            </p:stCondLst>
+                            <p:childTnLst>
+                              <p:par>
+                                <p:cTn id="5" presetID="0" presetClass="path" presetSubtype="0" accel="50000" decel="50000" fill="hold" nodeType="clickEffect">
+                                  <p:stCondLst>
+                                    <p:cond delay="0"/>
+                                  </p:stCondLst>
+                                  <p:childTnLst>
+                                    <p:animMotion origin="layout" path="M -0.06146 -0.00023 L -0.06146 0.00046 C -0.06094 -0.01042 -0.06041 -0.02014 -0.06015 -0.03009 C -0.06015 -0.03287 -0.06015 -0.03657 -0.05989 -0.03981 C -0.05989 -0.04236 -0.05989 -0.04468 -0.05989 -0.04769 C -0.05963 -0.06458 -0.05989 -0.05278 -0.05963 -0.06458 C -0.05963 -0.06782 -0.05963 -0.07106 -0.05937 -0.07407 C -0.05937 -0.0794 -0.05898 -0.08958 -0.05898 -0.08935 C -0.05898 -0.09606 -0.05898 -0.10231 -0.05898 -0.1088 C -0.05898 -0.12384 -0.05898 -0.13912 -0.05898 -0.1544 C -0.05898 -0.15671 -0.05898 -0.15972 -0.05898 -0.16204 C -0.05898 -0.16667 -0.05898 -0.17153 -0.05898 -0.17639 C -0.05937 -0.23241 -0.05898 -0.20069 -0.05963 -0.22986 C -0.05963 -0.23565 -0.05963 -0.23657 -0.05989 -0.24213 C -0.05989 -0.24398 -0.05989 -0.24514 -0.05989 -0.24699 C -0.06041 -0.28565 -0.05989 -0.24699 -0.06041 -0.27477 C -0.06041 -0.27685 -0.06041 -0.2794 -0.06068 -0.28125 C -0.06068 -0.28333 -0.06068 -0.28565 -0.06068 -0.2875 C -0.06094 -0.29537 -0.06094 -0.29444 -0.06094 -0.30208 C -0.0612 -0.33333 -0.06094 -0.30671 -0.0612 -0.32384 C -0.0612 -0.33588 -0.0612 -0.33009 -0.06146 -0.33796 C -0.06146 -0.35 -0.0612 -0.34213 -0.06172 -0.35185 C -0.06172 -0.35394 -0.06211 -0.35602 -0.06211 -0.35833 C -0.06211 -0.36088 -0.06211 -0.36366 -0.06237 -0.36597 C -0.06237 -0.36829 -0.06263 -0.37014 -0.06263 -0.37245 C -0.06289 -0.37477 -0.06289 -0.37755 -0.06289 -0.38009 C -0.06341 -0.38912 -0.06341 -0.38819 -0.06367 -0.40069 C -0.06367 -0.40231 -0.06367 -0.4037 -0.06367 -0.40532 C -0.06393 -0.41134 -0.06393 -0.41806 -0.06393 -0.42407 C -0.06393 -0.42569 -0.06393 -0.42731 -0.06419 -0.42894 C -0.06419 -0.43032 -0.06419 -0.43218 -0.06419 -0.4338 C -0.06419 -0.43912 -0.06445 -0.43912 -0.06484 -0.44444 C -0.06484 -0.44583 -0.06484 -0.44792 -0.06484 -0.44931 C -0.0651 -0.45116 -0.0651 -0.45278 -0.0651 -0.45394 C -0.06562 -0.46019 -0.06562 -0.46204 -0.06614 -0.46667 C -0.06614 -0.46806 -0.06614 -0.47014 -0.06614 -0.47153 C -0.0664 -0.47431 -0.06666 -0.47569 -0.06666 -0.47894 L -0.06693 -0.48009 " pathEditMode="relative" rAng="0" ptsTypes="AAAAAAAAAAAAAAAAAAAAAAAAAAAAAAAAAAAAAA">
+                                      <p:cBhvr>
+                                        <p:cTn id="6" dur="2000" fill="hold"/>
+                                        <p:tgtEl>
+                                          <p:spTgt spid="15"/>
+                                        </p:tgtEl>
+                                        <p:attrNameLst>
+                                          <p:attrName>ppt_x</p:attrName>
+                                          <p:attrName>ppt_y</p:attrName>
+                                        </p:attrNameLst>
+                                      </p:cBhvr>
+                                      <p:rCtr x="-156" y="-23958"/>
+                                    </p:animMotion>
+                                  </p:childTnLst>
+                                </p:cTn>
+                              </p:par>
+                              <p:par>
+                                <p:cTn id="7" presetID="6" presetClass="emph" presetSubtype="0" fill="hold" nodeType="withEffect">
+                                  <p:stCondLst>
+                                    <p:cond delay="0"/>
+                                  </p:stCondLst>
+                                  <p:childTnLst>
+                                    <p:animScale>
+                                      <p:cBhvr>
+                                        <p:cTn id="8" dur="2000" fill="hold"/>
+                                        <p:tgtEl>
+                                          <p:spTgt spid="15"/>
+                                        </p:tgtEl>
+                                      </p:cBhvr>
+                                      <p:by x="150000" y="150000"/>
+                                    </p:animScale>
+                                  </p:childTnLst>
+                                </p:cTn>
+                              </p:par>
+                              <p:par>
+                                <p:cTn id="9" presetID="8" presetClass="emph" presetSubtype="0" fill="hold" nodeType="withEffect">
+                                  <p:stCondLst>
+                                    <p:cond delay="0"/>
+                                  </p:stCondLst>
+                                  <p:childTnLst>
+                                    <p:animRot by="5400000">
+                                      <p:cBhvr>
+                                        <p:cTn id="10" dur="2000" fill="hold"/>
+                                        <p:tgtEl>
+                                          <p:spTgt spid="15"/>
+                                        </p:tgtEl>
+                                        <p:attrNameLst>
+                                          <p:attrName>r</p:attrName>
+                                        </p:attrNameLst>
+                                      </p:cBhvr>
+                                    </p:animRot>
+                                  </p:childTnLst>
+                                  <p:subTnLst>
+                                    <p:set>
+                                      <p:cBhvr override="childStyle">
+                                        <p:cTn dur="1" fill="hold" display="0" masterRel="sameClick" afterEffect="1">
+                                          <p:stCondLst>
+                                            <p:cond evt="end" delay="0">
+                                              <p:tn val="9"/>
+                                            </p:cond>
+                                          </p:stCondLst>
+                                        </p:cTn>
+                                        <p:tgtEl>
+                                          <p:spTgt spid="15"/>
+                                        </p:tgtEl>
+                                        <p:attrNameLst>
+                                          <p:attrName>style.visibility</p:attrName>
+                                        </p:attrNameLst>
+                                      </p:cBhvr>
+                                      <p:to>
+                                        <p:strVal val="hidden"/>
+                                      </p:to>
+                                    </p:set>
+                                  </p:subTnLst>
+                                </p:cTn>
+                              </p:par>
+                            </p:childTnLst>
+                          </p:cTn>
+                        </p:par>
+                        <p:par>
+                          <p:cTn id="11" fill="hold">
+                            <p:stCondLst>
+                              <p:cond delay="2000"/>
+                            </p:stCondLst>
+                            <p:childTnLst>
+                              <p:par>
+                                <p:cTn id="12" presetID="1" presetClass="entr" presetSubtype="0" fill="hold" nodeType="afterEffect">
+                                  <p:stCondLst>
+                                    <p:cond delay="0"/>
+                                  </p:stCondLst>
+                                  <p:childTnLst>
+                                    <p:set>
+                                      <p:cBhvr>
+                                        <p:cTn id="13" dur="1" fill="hold">
+                                          <p:stCondLst>
+                                            <p:cond delay="0"/>
+                                          </p:stCondLst>
+                                        </p:cTn>
+                                        <p:tgtEl>
+                                          <p:spTgt spid="17"/>
+                                        </p:tgtEl>
+                                        <p:attrNameLst>
+                                          <p:attrName>style.visibility</p:attrName>
+                                        </p:attrNameLst>
+                                      </p:cBhvr>
+                                      <p:to>
+                                        <p:strVal val="visible"/>
+                                      </p:to>
+                                    </p:set>
+                                  </p:childTnLst>
+                                </p:cTn>
+                              </p:par>
+                              <p:par>
+                                <p:cTn id="14" presetID="0" presetClass="path" presetSubtype="0" accel="50000" decel="50000" fill="hold" nodeType="withEffect">
+                                  <p:stCondLst>
+                                    <p:cond delay="0"/>
+                                  </p:stCondLst>
+                                  <p:childTnLst>
+                                    <p:animMotion origin="layout" path="M -0.00664 -0.07153 L -0.00664 -0.07153 C -0.00365 -0.11273 -0.0069 -0.07963 -0.00339 -0.10208 C -0.00222 -0.11019 -0.00287 -0.11204 -0.00104 -0.12083 C -0.00039 -0.12361 0.00052 -0.12593 0.00143 -0.12824 C 0.00273 -0.13171 0.00403 -0.13519 0.00547 -0.1382 C 0.0112 -0.14954 0.01237 -0.15093 0.01771 -0.15857 C 0.02213 -0.17153 0.01797 -0.16065 0.02513 -0.17454 C 0.0263 -0.17685 0.02708 -0.17963 0.02838 -0.18171 C 0.0306 -0.18542 0.03307 -0.18889 0.03567 -0.1919 C 0.03646 -0.19282 0.03737 -0.19375 0.03815 -0.19491 C 0.03906 -0.19607 0.03971 -0.19792 0.04062 -0.19907 C 0.04297 -0.20278 0.04622 -0.20625 0.0487 -0.20926 C 0.04987 -0.21065 0.05078 -0.2125 0.05208 -0.21366 C 0.05377 -0.21551 0.05586 -0.21644 0.05768 -0.21806 C 0.05885 -0.21898 0.05989 -0.21991 0.06094 -0.22083 C 0.06523 -0.225 0.06797 -0.2294 0.07317 -0.23102 L 0.07812 -0.23241 C 0.07864 -0.23357 0.07916 -0.23472 0.07969 -0.23542 C 0.08073 -0.23657 0.08424 -0.2382 0.08307 -0.2382 C 0.08125 -0.2382 0.07838 -0.23565 0.07643 -0.23403 " pathEditMode="relative" ptsTypes="AAAAAAAAAAAAAAAAAAAAA">
+                                      <p:cBhvr>
+                                        <p:cTn id="15" dur="2000" fill="hold"/>
+                                        <p:tgtEl>
+                                          <p:spTgt spid="17"/>
+                                        </p:tgtEl>
+                                        <p:attrNameLst>
+                                          <p:attrName>ppt_x</p:attrName>
+                                          <p:attrName>ppt_y</p:attrName>
+                                        </p:attrNameLst>
+                                      </p:cBhvr>
+                                    </p:animMotion>
+                                  </p:childTnLst>
+                                </p:cTn>
+                              </p:par>
+                              <p:par>
+                                <p:cTn id="16" presetID="8" presetClass="emph" presetSubtype="0" fill="hold" nodeType="withEffect">
+                                  <p:stCondLst>
+                                    <p:cond delay="0"/>
+                                  </p:stCondLst>
+                                  <p:childTnLst>
+                                    <p:animRot by="1800000">
+                                      <p:cBhvr>
+                                        <p:cTn id="17" dur="2000" fill="hold"/>
+                                        <p:tgtEl>
+                                          <p:spTgt spid="17"/>
+                                        </p:tgtEl>
+                                        <p:attrNameLst>
+                                          <p:attrName>r</p:attrName>
+                                        </p:attrNameLst>
+                                      </p:cBhvr>
+                                    </p:animRot>
+                                  </p:childTnLst>
+                                  <p:subTnLst>
+                                    <p:set>
+                                      <p:cBhvr override="childStyle">
+                                        <p:cTn dur="1" fill="hold" display="0" masterRel="sameClick" afterEffect="1">
+                                          <p:stCondLst>
+                                            <p:cond evt="end" delay="0">
+                                              <p:tn val="16"/>
+                                            </p:cond>
+                                          </p:stCondLst>
+                                        </p:cTn>
+                                        <p:tgtEl>
+                                          <p:spTgt spid="17"/>
+                                        </p:tgtEl>
+                                        <p:attrNameLst>
+                                          <p:attrName>style.visibility</p:attrName>
+                                        </p:attrNameLst>
+                                      </p:cBhvr>
+                                      <p:to>
+                                        <p:strVal val="hidden"/>
+                                      </p:to>
+                                    </p:set>
+                                  </p:subTnLst>
+                                </p:cTn>
+                              </p:par>
+                            </p:childTnLst>
+                          </p:cTn>
+                        </p:par>
+                        <p:par>
+                          <p:cTn id="18" fill="hold">
+                            <p:stCondLst>
+                              <p:cond delay="4000"/>
+                            </p:stCondLst>
+                            <p:childTnLst>
+                              <p:par>
+                                <p:cTn id="19" presetID="1" presetClass="entr" presetSubtype="0" fill="hold" nodeType="afterEffect">
+                                  <p:stCondLst>
+                                    <p:cond delay="0"/>
+                                  </p:stCondLst>
+                                  <p:childTnLst>
+                                    <p:set>
+                                      <p:cBhvr>
+                                        <p:cTn id="20" dur="1" fill="hold">
+                                          <p:stCondLst>
+                                            <p:cond delay="0"/>
+                                          </p:stCondLst>
+                                        </p:cTn>
+                                        <p:tgtEl>
+                                          <p:spTgt spid="19"/>
+                                        </p:tgtEl>
+                                        <p:attrNameLst>
+                                          <p:attrName>style.visibility</p:attrName>
+                                        </p:attrNameLst>
+                                      </p:cBhvr>
+                                      <p:to>
+                                        <p:strVal val="visible"/>
+                                      </p:to>
+                                    </p:set>
+                                  </p:childTnLst>
+                                </p:cTn>
+                              </p:par>
+                              <p:par>
+                                <p:cTn id="21" presetID="63" presetClass="path" presetSubtype="0" accel="36364" decel="63636" fill="hold" nodeType="withEffect">
+                                  <p:stCondLst>
+                                    <p:cond delay="0"/>
+                                  </p:stCondLst>
+                                  <p:childTnLst>
+                                    <p:animMotion origin="layout" path="M 2.70833E-6 2.77556E-17 L 0.64271 0.01806 " pathEditMode="relative" rAng="0" ptsTypes="AA">
+                                      <p:cBhvr>
+                                        <p:cTn id="22" dur="5500" fill="hold"/>
+                                        <p:tgtEl>
+                                          <p:spTgt spid="19"/>
+                                        </p:tgtEl>
+                                        <p:attrNameLst>
+                                          <p:attrName>ppt_x</p:attrName>
+                                          <p:attrName>ppt_y</p:attrName>
+                                        </p:attrNameLst>
+                                      </p:cBhvr>
+                                      <p:rCtr x="32135" y="903"/>
+                                    </p:animMotion>
+                                  </p:childTnLst>
+                                  <p:subTnLst>
+                                    <p:set>
+                                      <p:cBhvr override="childStyle">
+                                        <p:cTn dur="1" fill="hold" display="0" masterRel="sameClick" afterEffect="1">
+                                          <p:stCondLst>
+                                            <p:cond evt="end" delay="0">
+                                              <p:tn val="21"/>
+                                            </p:cond>
+                                          </p:stCondLst>
+                                        </p:cTn>
+                                        <p:tgtEl>
+                                          <p:spTgt spid="19"/>
+                                        </p:tgtEl>
+                                        <p:attrNameLst>
+                                          <p:attrName>style.visibility</p:attrName>
+                                        </p:attrNameLst>
+                                      </p:cBhvr>
+                                      <p:to>
+                                        <p:strVal val="hidden"/>
+                                      </p:to>
+                                    </p:set>
+                                  </p:subTnLst>
+                                </p:cTn>
+                              </p:par>
+                              <p:par>
+                                <p:cTn id="23" presetID="10" presetClass="entr" presetSubtype="0" fill="hold" nodeType="withEffect">
+                                  <p:stCondLst>
+                                    <p:cond delay="0"/>
+                                  </p:stCondLst>
+                                  <p:childTnLst>
+                                    <p:set>
+                                      <p:cBhvr>
+                                        <p:cTn id="24" dur="1" fill="hold">
+                                          <p:stCondLst>
+                                            <p:cond delay="0"/>
+                                          </p:stCondLst>
+                                        </p:cTn>
+                                        <p:tgtEl>
+                                          <p:spTgt spid="54"/>
+                                        </p:tgtEl>
+                                        <p:attrNameLst>
+                                          <p:attrName>style.visibility</p:attrName>
+                                        </p:attrNameLst>
+                                      </p:cBhvr>
+                                      <p:to>
+                                        <p:strVal val="visible"/>
+                                      </p:to>
+                                    </p:set>
+                                    <p:animEffect transition="in" filter="fade">
+                                      <p:cBhvr>
+                                        <p:cTn id="25" dur="500"/>
+                                        <p:tgtEl>
+                                          <p:spTgt spid="54"/>
+                                        </p:tgtEl>
+                                      </p:cBhvr>
+                                    </p:animEffect>
+                                  </p:childTnLst>
+                                  <p:subTnLst>
+                                    <p:set>
+                                      <p:cBhvr override="childStyle">
+                                        <p:cTn dur="1" fill="hold" display="0" masterRel="sameClick" afterEffect="1">
+                                          <p:stCondLst>
+                                            <p:cond evt="end" delay="0">
+                                              <p:tn val="23"/>
+                                            </p:cond>
+                                          </p:stCondLst>
+                                        </p:cTn>
+                                        <p:tgtEl>
+                                          <p:spTgt spid="54"/>
+                                        </p:tgtEl>
+                                        <p:attrNameLst>
+                                          <p:attrName>style.visibility</p:attrName>
+                                        </p:attrNameLst>
+                                      </p:cBhvr>
+                                      <p:to>
+                                        <p:strVal val="hidden"/>
+                                      </p:to>
+                                    </p:set>
+                                  </p:subTnLst>
+                                </p:cTn>
+                              </p:par>
+                              <p:par>
+                                <p:cTn id="26" presetID="10" presetClass="entr" presetSubtype="0" fill="hold" nodeType="withEffect">
+                                  <p:stCondLst>
+                                    <p:cond delay="500"/>
+                                  </p:stCondLst>
+                                  <p:childTnLst>
+                                    <p:set>
+                                      <p:cBhvr>
+                                        <p:cTn id="27" dur="1" fill="hold">
+                                          <p:stCondLst>
+                                            <p:cond delay="0"/>
+                                          </p:stCondLst>
+                                        </p:cTn>
+                                        <p:tgtEl>
+                                          <p:spTgt spid="57"/>
+                                        </p:tgtEl>
+                                        <p:attrNameLst>
+                                          <p:attrName>style.visibility</p:attrName>
+                                        </p:attrNameLst>
+                                      </p:cBhvr>
+                                      <p:to>
+                                        <p:strVal val="visible"/>
+                                      </p:to>
+                                    </p:set>
+                                    <p:animEffect transition="in" filter="fade">
+                                      <p:cBhvr>
+                                        <p:cTn id="28" dur="500"/>
+                                        <p:tgtEl>
+                                          <p:spTgt spid="57"/>
+                                        </p:tgtEl>
+                                      </p:cBhvr>
+                                    </p:animEffect>
+                                  </p:childTnLst>
+                                  <p:subTnLst>
+                                    <p:set>
+                                      <p:cBhvr override="childStyle">
+                                        <p:cTn dur="1" fill="hold" display="0" masterRel="sameClick" afterEffect="1">
+                                          <p:stCondLst>
+                                            <p:cond evt="end" delay="0">
+                                              <p:tn val="26"/>
+                                            </p:cond>
+                                          </p:stCondLst>
+                                        </p:cTn>
+                                        <p:tgtEl>
+                                          <p:spTgt spid="57"/>
+                                        </p:tgtEl>
+                                        <p:attrNameLst>
+                                          <p:attrName>style.visibility</p:attrName>
+                                        </p:attrNameLst>
+                                      </p:cBhvr>
+                                      <p:to>
+                                        <p:strVal val="hidden"/>
+                                      </p:to>
+                                    </p:set>
+                                  </p:subTnLst>
+                                </p:cTn>
+                              </p:par>
+                              <p:par>
+                                <p:cTn id="29" presetID="10" presetClass="entr" presetSubtype="0" fill="hold" nodeType="withEffect">
+                                  <p:stCondLst>
+                                    <p:cond delay="1000"/>
+                                  </p:stCondLst>
+                                  <p:childTnLst>
+                                    <p:set>
+                                      <p:cBhvr>
+                                        <p:cTn id="30" dur="1" fill="hold">
+                                          <p:stCondLst>
+                                            <p:cond delay="0"/>
+                                          </p:stCondLst>
+                                        </p:cTn>
+                                        <p:tgtEl>
+                                          <p:spTgt spid="63"/>
+                                        </p:tgtEl>
+                                        <p:attrNameLst>
+                                          <p:attrName>style.visibility</p:attrName>
+                                        </p:attrNameLst>
+                                      </p:cBhvr>
+                                      <p:to>
+                                        <p:strVal val="visible"/>
+                                      </p:to>
+                                    </p:set>
+                                    <p:animEffect transition="in" filter="fade">
+                                      <p:cBhvr>
+                                        <p:cTn id="31" dur="500"/>
+                                        <p:tgtEl>
+                                          <p:spTgt spid="63"/>
+                                        </p:tgtEl>
+                                      </p:cBhvr>
+                                    </p:animEffect>
+                                  </p:childTnLst>
+                                  <p:subTnLst>
+                                    <p:set>
+                                      <p:cBhvr override="childStyle">
+                                        <p:cTn dur="1" fill="hold" display="0" masterRel="sameClick" afterEffect="1">
+                                          <p:stCondLst>
+                                            <p:cond evt="end" delay="0">
+                                              <p:tn val="29"/>
+                                            </p:cond>
+                                          </p:stCondLst>
+                                        </p:cTn>
+                                        <p:tgtEl>
+                                          <p:spTgt spid="63"/>
+                                        </p:tgtEl>
+                                        <p:attrNameLst>
+                                          <p:attrName>style.visibility</p:attrName>
+                                        </p:attrNameLst>
+                                      </p:cBhvr>
+                                      <p:to>
+                                        <p:strVal val="hidden"/>
+                                      </p:to>
+                                    </p:set>
+                                  </p:subTnLst>
+                                </p:cTn>
+                              </p:par>
+                              <p:par>
+                                <p:cTn id="32" presetID="10" presetClass="entr" presetSubtype="0" fill="hold" nodeType="withEffect">
+                                  <p:stCondLst>
+                                    <p:cond delay="1500"/>
+                                  </p:stCondLst>
+                                  <p:childTnLst>
+                                    <p:set>
+                                      <p:cBhvr>
+                                        <p:cTn id="33" dur="1" fill="hold">
+                                          <p:stCondLst>
+                                            <p:cond delay="0"/>
+                                          </p:stCondLst>
+                                        </p:cTn>
+                                        <p:tgtEl>
+                                          <p:spTgt spid="65"/>
+                                        </p:tgtEl>
+                                        <p:attrNameLst>
+                                          <p:attrName>style.visibility</p:attrName>
+                                        </p:attrNameLst>
+                                      </p:cBhvr>
+                                      <p:to>
+                                        <p:strVal val="visible"/>
+                                      </p:to>
+                                    </p:set>
+                                    <p:animEffect transition="in" filter="fade">
+                                      <p:cBhvr>
+                                        <p:cTn id="34" dur="500"/>
+                                        <p:tgtEl>
+                                          <p:spTgt spid="65"/>
+                                        </p:tgtEl>
+                                      </p:cBhvr>
+                                    </p:animEffect>
+                                  </p:childTnLst>
+                                  <p:subTnLst>
+                                    <p:set>
+                                      <p:cBhvr override="childStyle">
+                                        <p:cTn dur="1" fill="hold" display="0" masterRel="sameClick" afterEffect="1">
+                                          <p:stCondLst>
+                                            <p:cond evt="end" delay="0">
+                                              <p:tn val="32"/>
+                                            </p:cond>
+                                          </p:stCondLst>
+                                        </p:cTn>
+                                        <p:tgtEl>
+                                          <p:spTgt spid="65"/>
+                                        </p:tgtEl>
+                                        <p:attrNameLst>
+                                          <p:attrName>style.visibility</p:attrName>
+                                        </p:attrNameLst>
+                                      </p:cBhvr>
+                                      <p:to>
+                                        <p:strVal val="hidden"/>
+                                      </p:to>
+                                    </p:set>
+                                  </p:subTnLst>
+                                </p:cTn>
+                              </p:par>
+                              <p:par>
+                                <p:cTn id="35" presetID="10" presetClass="entr" presetSubtype="0" fill="hold" nodeType="withEffect">
+                                  <p:stCondLst>
+                                    <p:cond delay="1750"/>
+                                  </p:stCondLst>
+                                  <p:childTnLst>
+                                    <p:set>
+                                      <p:cBhvr>
+                                        <p:cTn id="36" dur="1" fill="hold">
+                                          <p:stCondLst>
+                                            <p:cond delay="0"/>
+                                          </p:stCondLst>
+                                        </p:cTn>
+                                        <p:tgtEl>
+                                          <p:spTgt spid="67"/>
+                                        </p:tgtEl>
+                                        <p:attrNameLst>
+                                          <p:attrName>style.visibility</p:attrName>
+                                        </p:attrNameLst>
+                                      </p:cBhvr>
+                                      <p:to>
+                                        <p:strVal val="visible"/>
+                                      </p:to>
+                                    </p:set>
+                                    <p:animEffect transition="in" filter="fade">
+                                      <p:cBhvr>
+                                        <p:cTn id="37" dur="500"/>
+                                        <p:tgtEl>
+                                          <p:spTgt spid="67"/>
+                                        </p:tgtEl>
+                                      </p:cBhvr>
+                                    </p:animEffect>
+                                  </p:childTnLst>
+                                  <p:subTnLst>
+                                    <p:set>
+                                      <p:cBhvr override="childStyle">
+                                        <p:cTn dur="1" fill="hold" display="0" masterRel="sameClick" afterEffect="1">
+                                          <p:stCondLst>
+                                            <p:cond evt="end" delay="0">
+                                              <p:tn val="35"/>
+                                            </p:cond>
+                                          </p:stCondLst>
+                                        </p:cTn>
+                                        <p:tgtEl>
+                                          <p:spTgt spid="67"/>
+                                        </p:tgtEl>
+                                        <p:attrNameLst>
+                                          <p:attrName>style.visibility</p:attrName>
+                                        </p:attrNameLst>
+                                      </p:cBhvr>
+                                      <p:to>
+                                        <p:strVal val="hidden"/>
+                                      </p:to>
+                                    </p:set>
+                                  </p:subTnLst>
+                                </p:cTn>
+                              </p:par>
+                              <p:par>
+                                <p:cTn id="38" presetID="10" presetClass="entr" presetSubtype="0" fill="hold" nodeType="withEffect">
+                                  <p:stCondLst>
+                                    <p:cond delay="2000"/>
+                                  </p:stCondLst>
+                                  <p:childTnLst>
+                                    <p:set>
+                                      <p:cBhvr>
+                                        <p:cTn id="39" dur="1" fill="hold">
+                                          <p:stCondLst>
+                                            <p:cond delay="0"/>
+                                          </p:stCondLst>
+                                        </p:cTn>
+                                        <p:tgtEl>
+                                          <p:spTgt spid="69"/>
+                                        </p:tgtEl>
+                                        <p:attrNameLst>
+                                          <p:attrName>style.visibility</p:attrName>
+                                        </p:attrNameLst>
+                                      </p:cBhvr>
+                                      <p:to>
+                                        <p:strVal val="visible"/>
+                                      </p:to>
+                                    </p:set>
+                                    <p:animEffect transition="in" filter="fade">
+                                      <p:cBhvr>
+                                        <p:cTn id="40" dur="500"/>
+                                        <p:tgtEl>
+                                          <p:spTgt spid="69"/>
+                                        </p:tgtEl>
+                                      </p:cBhvr>
+                                    </p:animEffect>
+                                  </p:childTnLst>
+                                  <p:subTnLst>
+                                    <p:set>
+                                      <p:cBhvr override="childStyle">
+                                        <p:cTn dur="1" fill="hold" display="0" masterRel="sameClick" afterEffect="1">
+                                          <p:stCondLst>
+                                            <p:cond evt="end" delay="0">
+                                              <p:tn val="38"/>
+                                            </p:cond>
+                                          </p:stCondLst>
+                                        </p:cTn>
+                                        <p:tgtEl>
+                                          <p:spTgt spid="69"/>
+                                        </p:tgtEl>
+                                        <p:attrNameLst>
+                                          <p:attrName>style.visibility</p:attrName>
+                                        </p:attrNameLst>
+                                      </p:cBhvr>
+                                      <p:to>
+                                        <p:strVal val="hidden"/>
+                                      </p:to>
+                                    </p:set>
+                                  </p:subTnLst>
+                                </p:cTn>
+                              </p:par>
+                              <p:par>
+                                <p:cTn id="41" presetID="10" presetClass="entr" presetSubtype="0" fill="hold" nodeType="withEffect">
+                                  <p:stCondLst>
+                                    <p:cond delay="2500"/>
+                                  </p:stCondLst>
+                                  <p:childTnLst>
+                                    <p:set>
+                                      <p:cBhvr>
+                                        <p:cTn id="42" dur="1" fill="hold">
+                                          <p:stCondLst>
+                                            <p:cond delay="0"/>
+                                          </p:stCondLst>
+                                        </p:cTn>
+                                        <p:tgtEl>
+                                          <p:spTgt spid="71"/>
+                                        </p:tgtEl>
+                                        <p:attrNameLst>
+                                          <p:attrName>style.visibility</p:attrName>
+                                        </p:attrNameLst>
+                                      </p:cBhvr>
+                                      <p:to>
+                                        <p:strVal val="visible"/>
+                                      </p:to>
+                                    </p:set>
+                                    <p:animEffect transition="in" filter="fade">
+                                      <p:cBhvr>
+                                        <p:cTn id="43" dur="500"/>
+                                        <p:tgtEl>
+                                          <p:spTgt spid="71"/>
+                                        </p:tgtEl>
+                                      </p:cBhvr>
+                                    </p:animEffect>
+                                  </p:childTnLst>
+                                  <p:subTnLst>
+                                    <p:set>
+                                      <p:cBhvr override="childStyle">
+                                        <p:cTn dur="1" fill="hold" display="0" masterRel="sameClick" afterEffect="1">
+                                          <p:stCondLst>
+                                            <p:cond evt="end" delay="0">
+                                              <p:tn val="41"/>
+                                            </p:cond>
+                                          </p:stCondLst>
+                                        </p:cTn>
+                                        <p:tgtEl>
+                                          <p:spTgt spid="71"/>
+                                        </p:tgtEl>
+                                        <p:attrNameLst>
+                                          <p:attrName>style.visibility</p:attrName>
+                                        </p:attrNameLst>
+                                      </p:cBhvr>
+                                      <p:to>
+                                        <p:strVal val="hidden"/>
+                                      </p:to>
+                                    </p:set>
+                                  </p:subTnLst>
+                                </p:cTn>
+                              </p:par>
+                              <p:par>
+                                <p:cTn id="44" presetID="10" presetClass="entr" presetSubtype="0" fill="hold" nodeType="withEffect">
+                                  <p:stCondLst>
+                                    <p:cond delay="3000"/>
+                                  </p:stCondLst>
+                                  <p:childTnLst>
+                                    <p:set>
+                                      <p:cBhvr>
+                                        <p:cTn id="45" dur="1" fill="hold">
+                                          <p:stCondLst>
+                                            <p:cond delay="0"/>
+                                          </p:stCondLst>
+                                        </p:cTn>
+                                        <p:tgtEl>
+                                          <p:spTgt spid="73"/>
+                                        </p:tgtEl>
+                                        <p:attrNameLst>
+                                          <p:attrName>style.visibility</p:attrName>
+                                        </p:attrNameLst>
+                                      </p:cBhvr>
+                                      <p:to>
+                                        <p:strVal val="visible"/>
+                                      </p:to>
+                                    </p:set>
+                                    <p:animEffect transition="in" filter="fade">
+                                      <p:cBhvr>
+                                        <p:cTn id="46" dur="500"/>
+                                        <p:tgtEl>
+                                          <p:spTgt spid="73"/>
+                                        </p:tgtEl>
+                                      </p:cBhvr>
+                                    </p:animEffect>
+                                  </p:childTnLst>
+                                  <p:subTnLst>
+                                    <p:set>
+                                      <p:cBhvr override="childStyle">
+                                        <p:cTn dur="1" fill="hold" display="0" masterRel="sameClick" afterEffect="1">
+                                          <p:stCondLst>
+                                            <p:cond evt="end" delay="0">
+                                              <p:tn val="44"/>
+                                            </p:cond>
+                                          </p:stCondLst>
+                                        </p:cTn>
+                                        <p:tgtEl>
+                                          <p:spTgt spid="73"/>
+                                        </p:tgtEl>
+                                        <p:attrNameLst>
+                                          <p:attrName>style.visibility</p:attrName>
+                                        </p:attrNameLst>
+                                      </p:cBhvr>
+                                      <p:to>
+                                        <p:strVal val="hidden"/>
+                                      </p:to>
+                                    </p:set>
+                                  </p:subTnLst>
+                                </p:cTn>
+                              </p:par>
+                              <p:par>
+                                <p:cTn id="47" presetID="10" presetClass="entr" presetSubtype="0" fill="hold" nodeType="withEffect">
+                                  <p:stCondLst>
+                                    <p:cond delay="3500"/>
+                                  </p:stCondLst>
+                                  <p:childTnLst>
+                                    <p:set>
+                                      <p:cBhvr>
+                                        <p:cTn id="48" dur="1" fill="hold">
+                                          <p:stCondLst>
+                                            <p:cond delay="0"/>
+                                          </p:stCondLst>
+                                        </p:cTn>
+                                        <p:tgtEl>
+                                          <p:spTgt spid="75"/>
+                                        </p:tgtEl>
+                                        <p:attrNameLst>
+                                          <p:attrName>style.visibility</p:attrName>
+                                        </p:attrNameLst>
+                                      </p:cBhvr>
+                                      <p:to>
+                                        <p:strVal val="visible"/>
+                                      </p:to>
+                                    </p:set>
+                                    <p:animEffect transition="in" filter="fade">
+                                      <p:cBhvr>
+                                        <p:cTn id="49" dur="500"/>
+                                        <p:tgtEl>
+                                          <p:spTgt spid="75"/>
+                                        </p:tgtEl>
+                                      </p:cBhvr>
+                                    </p:animEffect>
+                                  </p:childTnLst>
+                                  <p:subTnLst>
+                                    <p:set>
+                                      <p:cBhvr override="childStyle">
+                                        <p:cTn dur="1" fill="hold" display="0" masterRel="sameClick" afterEffect="1">
+                                          <p:stCondLst>
+                                            <p:cond evt="end" delay="0">
+                                              <p:tn val="47"/>
+                                            </p:cond>
+                                          </p:stCondLst>
+                                        </p:cTn>
+                                        <p:tgtEl>
+                                          <p:spTgt spid="75"/>
+                                        </p:tgtEl>
+                                        <p:attrNameLst>
+                                          <p:attrName>style.visibility</p:attrName>
+                                        </p:attrNameLst>
+                                      </p:cBhvr>
+                                      <p:to>
+                                        <p:strVal val="hidden"/>
+                                      </p:to>
+                                    </p:set>
+                                  </p:subTnLst>
+                                </p:cTn>
+                              </p:par>
+                              <p:par>
+                                <p:cTn id="50" presetID="10" presetClass="entr" presetSubtype="0" fill="hold" nodeType="withEffect">
+                                  <p:stCondLst>
+                                    <p:cond delay="4250"/>
+                                  </p:stCondLst>
+                                  <p:childTnLst>
+                                    <p:set>
+                                      <p:cBhvr>
+                                        <p:cTn id="51" dur="1" fill="hold">
+                                          <p:stCondLst>
+                                            <p:cond delay="0"/>
+                                          </p:stCondLst>
+                                        </p:cTn>
+                                        <p:tgtEl>
+                                          <p:spTgt spid="77"/>
+                                        </p:tgtEl>
+                                        <p:attrNameLst>
+                                          <p:attrName>style.visibility</p:attrName>
+                                        </p:attrNameLst>
+                                      </p:cBhvr>
+                                      <p:to>
+                                        <p:strVal val="visible"/>
+                                      </p:to>
+                                    </p:set>
+                                    <p:animEffect transition="in" filter="fade">
+                                      <p:cBhvr>
+                                        <p:cTn id="52" dur="500"/>
+                                        <p:tgtEl>
+                                          <p:spTgt spid="77"/>
+                                        </p:tgtEl>
+                                      </p:cBhvr>
+                                    </p:animEffect>
+                                  </p:childTnLst>
+                                  <p:subTnLst>
+                                    <p:set>
+                                      <p:cBhvr override="childStyle">
+                                        <p:cTn dur="1" fill="hold" display="0" masterRel="sameClick" afterEffect="1">
+                                          <p:stCondLst>
+                                            <p:cond evt="end" delay="0">
+                                              <p:tn val="50"/>
+                                            </p:cond>
+                                          </p:stCondLst>
+                                        </p:cTn>
+                                        <p:tgtEl>
+                                          <p:spTgt spid="77"/>
+                                        </p:tgtEl>
+                                        <p:attrNameLst>
+                                          <p:attrName>style.visibility</p:attrName>
+                                        </p:attrNameLst>
+                                      </p:cBhvr>
+                                      <p:to>
+                                        <p:strVal val="hidden"/>
+                                      </p:to>
+                                    </p:set>
+                                  </p:subTnLst>
+                                </p:cTn>
+                              </p:par>
+                              <p:par>
+                                <p:cTn id="53" presetID="10" presetClass="entr" presetSubtype="0" fill="hold" nodeType="withEffect">
+                                  <p:stCondLst>
+                                    <p:cond delay="5000"/>
+                                  </p:stCondLst>
+                                  <p:childTnLst>
+                                    <p:set>
+                                      <p:cBhvr>
+                                        <p:cTn id="54" dur="1" fill="hold">
+                                          <p:stCondLst>
+                                            <p:cond delay="0"/>
+                                          </p:stCondLst>
+                                        </p:cTn>
+                                        <p:tgtEl>
+                                          <p:spTgt spid="79"/>
+                                        </p:tgtEl>
+                                        <p:attrNameLst>
+                                          <p:attrName>style.visibility</p:attrName>
+                                        </p:attrNameLst>
+                                      </p:cBhvr>
+                                      <p:to>
+                                        <p:strVal val="visible"/>
+                                      </p:to>
+                                    </p:set>
+                                    <p:animEffect transition="in" filter="fade">
+                                      <p:cBhvr>
+                                        <p:cTn id="55" dur="500"/>
+                                        <p:tgtEl>
+                                          <p:spTgt spid="79"/>
+                                        </p:tgtEl>
+                                      </p:cBhvr>
+                                    </p:animEffect>
+                                  </p:childTnLst>
+                                  <p:subTnLst>
+                                    <p:set>
+                                      <p:cBhvr override="childStyle">
+                                        <p:cTn dur="1" fill="hold" display="0" masterRel="sameClick" afterEffect="1">
+                                          <p:stCondLst>
+                                            <p:cond evt="end" delay="0">
+                                              <p:tn val="53"/>
+                                            </p:cond>
+                                          </p:stCondLst>
+                                        </p:cTn>
+                                        <p:tgtEl>
+                                          <p:spTgt spid="79"/>
+                                        </p:tgtEl>
+                                        <p:attrNameLst>
+                                          <p:attrName>style.visibility</p:attrName>
+                                        </p:attrNameLst>
+                                      </p:cBhvr>
+                                      <p:to>
+                                        <p:strVal val="hidden"/>
+                                      </p:to>
+                                    </p:set>
+                                  </p:subTnLst>
+                                </p:cTn>
+                              </p:par>
+                            </p:childTnLst>
+                          </p:cTn>
+                        </p:par>
+                      </p:childTnLst>
+                    </p:cTn>
+                  </p:par>
+                </p:childTnLst>
+              </p:cTn>
+              <p:prevCondLst>
+                <p:cond evt="onPrev" delay="0">
+                  <p:tgtEl>
+                    <p:sldTgt/>
+                  </p:tgtEl>
+                </p:cond>
+              </p:prevCondLst>
+              <p:nextCondLst>
+                <p:cond evt="onNext" delay="0">
+                  <p:tgtEl>
+                    <p:sldTgt/>
+                  </p:tgtEl>
+                </p:cond>
+              </p:nextCondLst>
+            </p:seq>
+          </p:childTnLst>
+        </p:cTn>
+      </p:par>
+    </p:tnLst>
+  </p:timing>
+</p:sld>
+</file>
+
+<file path=ppt/slides/slide9.xml><?xml version="1.0" encoding="utf-8"?>
+<p:sld xmlns:a="http://schemas.openxmlformats.org/drawingml/2006/main" xmlns:r="http://schemas.openxmlformats.org/officeDocument/2006/relationships" xmlns:p="http://schemas.openxmlformats.org/presentationml/2006/main">
+  <p:cSld>
+    <p:spTree>
+      <p:nvGrpSpPr>
+        <p:cNvPr id="1" name=""/>
+        <p:cNvGrpSpPr/>
+        <p:nvPr/>
+      </p:nvGrpSpPr>
+      <p:grpSpPr>
+        <a:xfrm>
+          <a:off x="0" y="0"/>
+          <a:ext cx="0" cy="0"/>
+          <a:chOff x="0" y="0"/>
+          <a:chExt cx="0" cy="0"/>
+        </a:xfrm>
+      </p:grpSpPr>
+      <p:pic>
+        <p:nvPicPr>
+          <p:cNvPr id="4" name="Resim 3">
+            <a:extLst>
+              <a:ext uri="{FF2B5EF4-FFF2-40B4-BE49-F238E27FC236}">
+                <a16:creationId xmlns:a16="http://schemas.microsoft.com/office/drawing/2014/main" id="{F7EA9E49-2965-4FC0-82FB-84A02794122B}"/>
+              </a:ext>
+            </a:extLst>
+          </p:cNvPr>
+          <p:cNvPicPr>
+            <a:picLocks noChangeAspect="1"/>
+          </p:cNvPicPr>
+          <p:nvPr/>
+        </p:nvPicPr>
+        <p:blipFill>
+          <a:blip r:embed="rId2">
+            <a:extLst>
+              <a:ext uri="{BEBA8EAE-BF5A-486C-A8C5-ECC9F3942E4B}">
+                <a14:imgProps xmlns:a14="http://schemas.microsoft.com/office/drawing/2010/main">
+                  <a14:imgLayer r:embed="rId3">
+                    <a14:imgEffect>
+                      <a14:artisticGlowEdges/>
+                    </a14:imgEffect>
+                  </a14:imgLayer>
+                </a14:imgProps>
+              </a:ext>
+              <a:ext uri="{28A0092B-C50C-407E-A947-70E740481C1C}">
+                <a14:useLocalDpi xmlns:a14="http://schemas.microsoft.com/office/drawing/2010/main" val="0"/>
+              </a:ext>
+            </a:extLst>
+          </a:blip>
+          <a:stretch>
+            <a:fillRect/>
+          </a:stretch>
+        </p:blipFill>
+        <p:spPr>
+          <a:xfrm>
+            <a:off x="783003" y="733304"/>
+            <a:ext cx="1815513" cy="1192865"/>
+          </a:xfrm>
+          <a:prstGeom prst="rect">
+            <a:avLst/>
+          </a:prstGeom>
+        </p:spPr>
+      </p:pic>
+      <p:cxnSp>
+        <p:nvCxnSpPr>
+          <p:cNvPr id="6" name="Düz Bağlayıcı 5">
+            <a:extLst>
+              <a:ext uri="{FF2B5EF4-FFF2-40B4-BE49-F238E27FC236}">
+                <a16:creationId xmlns:a16="http://schemas.microsoft.com/office/drawing/2014/main" id="{D05E3363-D107-438B-98CA-CBE133F13225}"/>
+              </a:ext>
+            </a:extLst>
+          </p:cNvPr>
+          <p:cNvCxnSpPr>
+            <a:cxnSpLocks/>
+          </p:cNvCxnSpPr>
+          <p:nvPr/>
+        </p:nvCxnSpPr>
+        <p:spPr>
+          <a:xfrm flipH="1" flipV="1">
+            <a:off x="2882096" y="1689904"/>
+            <a:ext cx="2430684" cy="3241928"/>
+          </a:xfrm>
+          <a:prstGeom prst="line">
+            <a:avLst/>
+          </a:prstGeom>
+          <a:ln w="76200">
+            <a:solidFill>
+              <a:srgbClr val="FF0000"/>
+            </a:solidFill>
+          </a:ln>
+        </p:spPr>
+        <p:style>
+          <a:lnRef idx="1">
+            <a:schemeClr val="accent1"/>
+          </a:lnRef>
+          <a:fillRef idx="0">
+            <a:schemeClr val="accent1"/>
+          </a:fillRef>
+          <a:effectRef idx="0">
+            <a:schemeClr val="accent1"/>
+          </a:effectRef>
+          <a:fontRef idx="minor">
+            <a:schemeClr val="tx1"/>
+          </a:fontRef>
+        </p:style>
+      </p:cxnSp>
+      <p:pic>
+        <p:nvPicPr>
+          <p:cNvPr id="7" name="Resim 6">
+            <a:extLst>
+              <a:ext uri="{FF2B5EF4-FFF2-40B4-BE49-F238E27FC236}">
+                <a16:creationId xmlns:a16="http://schemas.microsoft.com/office/drawing/2014/main" id="{B520144D-5167-465D-8D60-C8D7824F484A}"/>
+              </a:ext>
+            </a:extLst>
+          </p:cNvPr>
+          <p:cNvPicPr>
+            <a:picLocks noChangeAspect="1"/>
+          </p:cNvPicPr>
+          <p:nvPr/>
+        </p:nvPicPr>
+        <p:blipFill>
+          <a:blip r:embed="rId4">
+            <a:extLst>
+              <a:ext uri="{28A0092B-C50C-407E-A947-70E740481C1C}">
+                <a14:useLocalDpi xmlns:a14="http://schemas.microsoft.com/office/drawing/2010/main" val="0"/>
+              </a:ext>
+            </a:extLst>
+          </a:blip>
+          <a:stretch>
+            <a:fillRect/>
+          </a:stretch>
+        </p:blipFill>
+        <p:spPr>
+          <a:xfrm>
+            <a:off x="5054977" y="5071837"/>
+            <a:ext cx="1433100" cy="914891"/>
+          </a:xfrm>
+          <a:prstGeom prst="rect">
+            <a:avLst/>
+          </a:prstGeom>
+        </p:spPr>
+      </p:pic>
+      <p:pic>
+        <p:nvPicPr>
+          <p:cNvPr id="5" name="Resim 4">
+            <a:extLst>
+              <a:ext uri="{FF2B5EF4-FFF2-40B4-BE49-F238E27FC236}">
+                <a16:creationId xmlns:a16="http://schemas.microsoft.com/office/drawing/2014/main" id="{6972CCDE-6E5E-4715-83F6-9D8C875A20FA}"/>
+              </a:ext>
+            </a:extLst>
+          </p:cNvPr>
+          <p:cNvPicPr>
+            <a:picLocks noChangeAspect="1"/>
+          </p:cNvPicPr>
+          <p:nvPr/>
+        </p:nvPicPr>
+        <p:blipFill>
+          <a:blip r:embed="rId5"/>
+          <a:stretch>
+            <a:fillRect/>
+          </a:stretch>
+        </p:blipFill>
+        <p:spPr>
+          <a:xfrm>
+            <a:off x="-664381" y="4372845"/>
+            <a:ext cx="4094051" cy="2312873"/>
+          </a:xfrm>
+          <a:prstGeom prst="rect">
+            <a:avLst/>
+          </a:prstGeom>
+        </p:spPr>
+      </p:pic>
+    </p:spTree>
+    <p:extLst>
+      <p:ext uri="{BB962C8B-B14F-4D97-AF65-F5344CB8AC3E}">
+        <p14:creationId xmlns:p14="http://schemas.microsoft.com/office/powerpoint/2010/main" val="2832469251"/>
+      </p:ext>
+    </p:extLst>
+  </p:cSld>
+  <p:clrMapOvr>
+    <a:masterClrMapping/>
+  </p:clrMapOvr>
+  <p:timing>
+    <p:tnLst>
+      <p:par>
+        <p:cTn id="1" dur="indefinite" restart="never" nodeType="tmRoot">
+          <p:childTnLst>
+            <p:seq concurrent="1" nextAc="seek">
+              <p:cTn id="2" dur="indefinite" nodeType="mainSeq">
+                <p:childTnLst>
+                  <p:par>
+                    <p:cTn id="3" fill="hold">
+                      <p:stCondLst>
+                        <p:cond delay="indefinite"/>
+                      </p:stCondLst>
+                      <p:childTnLst>
+                        <p:par>
+                          <p:cTn id="4" fill="hold">
+                            <p:stCondLst>
+                              <p:cond delay="0"/>
+                            </p:stCondLst>
+                            <p:childTnLst>
+                              <p:par>
+                                <p:cTn id="5" presetID="0" presetClass="path" presetSubtype="0" accel="50000" decel="50000" fill="hold" nodeType="clickEffect">
+                                  <p:stCondLst>
+                                    <p:cond delay="0"/>
+                                  </p:stCondLst>
+                                  <p:childTnLst>
+                                    <p:animMotion origin="layout" path="M -0.00482 -0.00046 L -0.00482 -0.00023 C -0.02904 -0.08981 -0.00963 -0.00787 -0.02669 -0.12708 C -0.03411 -0.17963 -0.03841 -0.18495 -0.05039 -0.23356 C -0.05404 -0.24861 -0.05768 -0.26366 -0.06081 -0.27917 C -0.06471 -0.29861 -0.07122 -0.33819 -0.07122 -0.33796 C -0.07213 -0.34884 -0.07461 -0.35949 -0.07409 -0.37014 C -0.07044 -0.44583 -0.06836 -0.43472 -0.05989 -0.48495 C -0.04883 -0.54954 -0.06015 -0.4919 -0.05417 -0.51713 C -0.05377 -0.51875 -0.05377 -0.5206 -0.05325 -0.52222 C -0.05208 -0.52523 -0.04505 -0.53495 -0.04466 -0.53565 C -0.02995 -0.55926 -0.05065 -0.52662 -0.03802 -0.54907 C -0.03724 -0.55069 -0.03607 -0.55116 -0.03515 -0.55255 C -0.03281 -0.55625 -0.03073 -0.56042 -0.02851 -0.56435 C -0.02513 -0.57037 -0.02422 -0.57361 -0.01901 -0.57616 C -0.01667 -0.57731 -0.01393 -0.57708 -0.01146 -0.57778 C 0.00482 -0.58241 -0.0069 -0.58125 0.01029 -0.58125 " pathEditMode="relative" rAng="0" ptsTypes="AAAAAAAAAAAAAAAAA">
+                                      <p:cBhvr>
+                                        <p:cTn id="6" dur="2000" fill="hold"/>
+                                        <p:tgtEl>
+                                          <p:spTgt spid="5"/>
+                                        </p:tgtEl>
+                                        <p:attrNameLst>
+                                          <p:attrName>ppt_x</p:attrName>
+                                          <p:attrName>ppt_y</p:attrName>
+                                        </p:attrNameLst>
+                                      </p:cBhvr>
+                                      <p:rCtr x="-2721" y="-29051"/>
+                                    </p:animMotion>
+                                  </p:childTnLst>
+                                </p:cTn>
+                              </p:par>
+                              <p:par>
+                                <p:cTn id="7" presetID="8" presetClass="emph" presetSubtype="0" fill="hold" nodeType="withEffect">
+                                  <p:stCondLst>
+                                    <p:cond delay="0"/>
+                                  </p:stCondLst>
+                                  <p:childTnLst>
+                                    <p:animRot by="1800000">
+                                      <p:cBhvr>
+                                        <p:cTn id="8" dur="2000" fill="hold"/>
+                                        <p:tgtEl>
+                                          <p:spTgt spid="5"/>
+                                        </p:tgtEl>
+                                        <p:attrNameLst>
+                                          <p:attrName>r</p:attrName>
+                                        </p:attrNameLst>
+                                      </p:cBhvr>
+                                    </p:animRot>
+                                  </p:childTnLst>
+                                </p:cTn>
+                              </p:par>
+                              <p:par>
+                                <p:cTn id="9" presetID="6" presetClass="emph" presetSubtype="0" fill="hold" nodeType="withEffect">
+                                  <p:stCondLst>
+                                    <p:cond delay="0"/>
+                                  </p:stCondLst>
+                                  <p:childTnLst>
+                                    <p:animScale>
+                                      <p:cBhvr>
+                                        <p:cTn id="10" dur="2000" fill="hold"/>
+                                        <p:tgtEl>
+                                          <p:spTgt spid="5"/>
+                                        </p:tgtEl>
+                                      </p:cBhvr>
+                                      <p:by x="50000" y="50000"/>
+                                    </p:animScale>
+                                  </p:childTnLst>
+                                  <p:subTnLst>
+                                    <p:set>
+                                      <p:cBhvr override="childStyle">
+                                        <p:cTn dur="1" fill="hold" display="0" masterRel="sameClick" afterEffect="1">
+                                          <p:stCondLst>
+                                            <p:cond evt="end" delay="0">
+                                              <p:tn val="9"/>
+                                            </p:cond>
+                                          </p:stCondLst>
+                                        </p:cTn>
+                                        <p:tgtEl>
+                                          <p:spTgt spid="5"/>
+                                        </p:tgtEl>
+                                        <p:attrNameLst>
+                                          <p:attrName>style.visibility</p:attrName>
+                                        </p:attrNameLst>
+                                      </p:cBhvr>
+                                      <p:to>
+                                        <p:strVal val="hidden"/>
+                                      </p:to>
+                                    </p:set>
+                                  </p:subTnLst>
+                                </p:cTn>
+                              </p:par>
+                            </p:childTnLst>
+                          </p:cTn>
+                        </p:par>
+                        <p:par>
+                          <p:cTn id="11" fill="hold">
+                            <p:stCondLst>
+                              <p:cond delay="2000"/>
+                            </p:stCondLst>
+                            <p:childTnLst>
+                              <p:par>
+                                <p:cTn id="12" presetID="63" presetClass="path" presetSubtype="0" accel="33333" fill="hold" nodeType="afterEffect">
+                                  <p:stCondLst>
+                                    <p:cond delay="0"/>
+                                  </p:stCondLst>
+                                  <p:childTnLst>
+                                    <p:animMotion origin="layout" path="M 0.00417 -0.00023 L 0.65886 0.02894 " pathEditMode="relative" rAng="0" ptsTypes="AA">
+                                      <p:cBhvr>
+                                        <p:cTn id="13" dur="3000" fill="hold"/>
+                                        <p:tgtEl>
+                                          <p:spTgt spid="4"/>
+                                        </p:tgtEl>
+                                        <p:attrNameLst>
+                                          <p:attrName>ppt_x</p:attrName>
+                                          <p:attrName>ppt_y</p:attrName>
+                                        </p:attrNameLst>
+                                      </p:cBhvr>
+                                      <p:rCtr x="32734" y="1458"/>
+                                    </p:animMotion>
+                                  </p:childTnLst>
+                                </p:cTn>
+                              </p:par>
+                              <p:par>
+                                <p:cTn id="14" presetID="63" presetClass="path" presetSubtype="0" accel="50000" decel="50000" fill="hold" nodeType="withEffect">
+                                  <p:stCondLst>
+                                    <p:cond delay="0"/>
+                                  </p:stCondLst>
+                                  <p:childTnLst>
+                                    <p:animMotion origin="layout" path="M 2.29167E-6 -3.7037E-7 L 0.27929 0.02662 " pathEditMode="relative" rAng="0" ptsTypes="AA">
+                                      <p:cBhvr>
+                                        <p:cTn id="15" dur="2750" fill="hold"/>
+                                        <p:tgtEl>
+                                          <p:spTgt spid="6"/>
+                                        </p:tgtEl>
+                                        <p:attrNameLst>
+                                          <p:attrName>ppt_x</p:attrName>
+                                          <p:attrName>ppt_y</p:attrName>
+                                        </p:attrNameLst>
+                                      </p:cBhvr>
+                                      <p:rCtr x="13958" y="1319"/>
+                                    </p:animMotion>
+                                  </p:childTnLst>
+                                </p:cTn>
+                              </p:par>
+                              <p:par>
+                                <p:cTn id="16" presetID="8" presetClass="emph" presetSubtype="0" fill="hold" nodeType="withEffect">
+                                  <p:stCondLst>
+                                    <p:cond delay="500"/>
+                                  </p:stCondLst>
+                                  <p:childTnLst>
+                                    <p:animRot by="5400000">
+                                      <p:cBhvr>
+                                        <p:cTn id="17" dur="2500" fill="hold"/>
+                                        <p:tgtEl>
+                                          <p:spTgt spid="6"/>
+                                        </p:tgtEl>
+                                        <p:attrNameLst>
+                                          <p:attrName>r</p:attrName>
+                                        </p:attrNameLst>
+                                      </p:cBhvr>
+                                    </p:animRot>
+                                  </p:childTnLst>
+                                </p:cTn>
+                              </p:par>
+                            </p:childTnLst>
+                          </p:cTn>
+                        </p:par>
+                      </p:childTnLst>
+                    </p:cTn>
+                  </p:par>
+                </p:childTnLst>
+              </p:cTn>
+              <p:prevCondLst>
+                <p:cond evt="onPrev" delay="0">
+                  <p:tgtEl>
+                    <p:sldTgt/>
+                  </p:tgtEl>
+                </p:cond>
+              </p:prevCondLst>
+              <p:nextCondLst>
+                <p:cond evt="onNext" delay="0">
+                  <p:tgtEl>
+                    <p:sldTgt/>
+                  </p:tgtEl>
+                </p:cond>
+              </p:nextCondLst>
+            </p:seq>
+          </p:childTnLst>
+        </p:cTn>
+      </p:par>
+    </p:tnLst>
+  </p:timing>
+</p:sld>
+</file>
+
 <file path=ppt/theme/theme1.xml><?xml version="1.0" encoding="utf-8"?>
 <a:theme xmlns:a="http://schemas.openxmlformats.org/drawingml/2006/main" name="Office Teması">
   <a:themeElements>
